--- a/spring13/slides13/propositional.pptx
+++ b/spring13/slides13/propositional.pptx
@@ -41,10 +41,10 @@
     <p:sldId id="471" r:id="rId29"/>
     <p:sldId id="472" r:id="rId30"/>
     <p:sldId id="447" r:id="rId31"/>
-    <p:sldId id="448" r:id="rId32"/>
-    <p:sldId id="475" r:id="rId33"/>
-    <p:sldId id="485" r:id="rId34"/>
-    <p:sldId id="486" r:id="rId35"/>
+    <p:sldId id="485" r:id="rId32"/>
+    <p:sldId id="486" r:id="rId33"/>
+    <p:sldId id="448" r:id="rId34"/>
+    <p:sldId id="475" r:id="rId35"/>
     <p:sldId id="487" r:id="rId36"/>
     <p:sldId id="449" r:id="rId37"/>
     <p:sldId id="479" r:id="rId38"/>
@@ -9125,9 +9125,18 @@
   <p:clrMapOvr>
     <a:masterClrMapping/>
   </p:clrMapOvr>
-  <p:transition xmlns:p14="http://schemas.microsoft.com/office/powerpoint/2010/main" advTm="10842">
-    <p:fade/>
-  </p:transition>
+  <mc:AlternateContent xmlns:mc="http://schemas.openxmlformats.org/markup-compatibility/2006" xmlns:p14="http://schemas.microsoft.com/office/powerpoint/2010/main">
+    <mc:Choice Requires="p14">
+      <p:transition spd="slow" p14:dur="59000" advClick="0">
+        <p:fade/>
+      </p:transition>
+    </mc:Choice>
+    <mc:Fallback xmlns="">
+      <p:transition xmlns:p14="http://schemas.microsoft.com/office/powerpoint/2010/main" spd="slow" advClick="0">
+        <p:fade/>
+      </p:transition>
+    </mc:Fallback>
+  </mc:AlternateContent>
   <p:timing>
     <p:tnLst>
       <p:par>
@@ -9800,9 +9809,18 @@
   <p:clrMapOvr>
     <a:masterClrMapping/>
   </p:clrMapOvr>
-  <p:transition xmlns:p14="http://schemas.microsoft.com/office/powerpoint/2010/main">
-    <p:fade/>
-  </p:transition>
+  <mc:AlternateContent xmlns:mc="http://schemas.openxmlformats.org/markup-compatibility/2006" xmlns:p14="http://schemas.microsoft.com/office/powerpoint/2010/main">
+    <mc:Choice Requires="p14">
+      <p:transition spd="slow" p14:dur="59000">
+        <p:fade/>
+      </p:transition>
+    </mc:Choice>
+    <mc:Fallback xmlns="">
+      <p:transition xmlns:p14="http://schemas.microsoft.com/office/powerpoint/2010/main" spd="slow">
+        <p:fade/>
+      </p:transition>
+    </mc:Fallback>
+  </mc:AlternateContent>
   <p:timing>
     <p:tnLst>
       <p:par>
@@ -10753,9 +10771,18 @@
   <p:clrMapOvr>
     <a:masterClrMapping/>
   </p:clrMapOvr>
-  <p:transition xmlns:p14="http://schemas.microsoft.com/office/powerpoint/2010/main" spd="slow">
-    <p:fade thruBlk="1"/>
-  </p:transition>
+  <mc:AlternateContent xmlns:mc="http://schemas.openxmlformats.org/markup-compatibility/2006" xmlns:p14="http://schemas.microsoft.com/office/powerpoint/2010/main">
+    <mc:Choice Requires="p14">
+      <p:transition spd="slow" p14:dur="59000">
+        <p:fade thruBlk="1"/>
+      </p:transition>
+    </mc:Choice>
+    <mc:Fallback xmlns="">
+      <p:transition xmlns:p14="http://schemas.microsoft.com/office/powerpoint/2010/main" spd="slow">
+        <p:fade thruBlk="1"/>
+      </p:transition>
+    </mc:Fallback>
+  </mc:AlternateContent>
   <p:timing>
     <p:tnLst>
       <p:par>
@@ -13257,7 +13284,7 @@
           <a:graphicData uri="http://schemas.openxmlformats.org/presentationml/2006/ole">
             <mc:AlternateContent xmlns:mc="http://schemas.openxmlformats.org/markup-compatibility/2006">
               <mc:Choice xmlns:v="urn:schemas-microsoft-com:vml" Requires="v">
-                <p:oleObj spid="_x0000_s402611" name="Equation" r:id="rId4" imgW="800100" imgH="228600" progId="Equation.DSMT4">
+                <p:oleObj spid="_x0000_s402625" name="Equation" r:id="rId4" imgW="800100" imgH="228600" progId="Equation.DSMT4">
                   <p:embed/>
                 </p:oleObj>
               </mc:Choice>
@@ -13319,7 +13346,7 @@
           <a:graphicData uri="http://schemas.openxmlformats.org/presentationml/2006/ole">
             <mc:AlternateContent xmlns:mc="http://schemas.openxmlformats.org/markup-compatibility/2006">
               <mc:Choice xmlns:v="urn:schemas-microsoft-com:vml" Requires="v">
-                <p:oleObj spid="_x0000_s402612" name="Equation" r:id="rId6" imgW="622300" imgH="241300" progId="Equation.DSMT4">
+                <p:oleObj spid="_x0000_s402626" name="Equation" r:id="rId6" imgW="622300" imgH="241300" progId="Equation.DSMT4">
                   <p:embed/>
                 </p:oleObj>
               </mc:Choice>
@@ -13427,7 +13454,7 @@
             <a:graphicData uri="http://schemas.openxmlformats.org/presentationml/2006/ole">
               <mc:AlternateContent xmlns:mc="http://schemas.openxmlformats.org/markup-compatibility/2006">
                 <mc:Choice xmlns:v="urn:schemas-microsoft-com:vml" Requires="v">
-                  <p:oleObj spid="_x0000_s402613" name="Equation" r:id="rId8" imgW="622300" imgH="241300" progId="Equation.DSMT4">
+                  <p:oleObj spid="_x0000_s402627" name="Equation" r:id="rId8" imgW="622300" imgH="241300" progId="Equation.DSMT4">
                     <p:embed/>
                   </p:oleObj>
                 </mc:Choice>
@@ -13484,7 +13511,7 @@
             <a:graphicData uri="http://schemas.openxmlformats.org/presentationml/2006/ole">
               <mc:AlternateContent xmlns:mc="http://schemas.openxmlformats.org/markup-compatibility/2006">
                 <mc:Choice xmlns:v="urn:schemas-microsoft-com:vml" Requires="v">
-                  <p:oleObj spid="_x0000_s402614" name="Equation" r:id="rId9" imgW="609600" imgH="304800" progId="Equation.DSMT4">
+                  <p:oleObj spid="_x0000_s402628" name="Equation" r:id="rId9" imgW="609600" imgH="304800" progId="Equation.DSMT4">
                     <p:embed/>
                   </p:oleObj>
                 </mc:Choice>
@@ -13532,12 +13559,12 @@
   </p:clrMapOvr>
   <mc:AlternateContent xmlns:mc="http://schemas.openxmlformats.org/markup-compatibility/2006" xmlns:p14="http://schemas.microsoft.com/office/powerpoint/2010/main">
     <mc:Choice Requires="p14">
-      <p:transition spd="med" p14:dur="700">
+      <p:transition spd="slow" p14:dur="59000">
         <p:fade/>
       </p:transition>
     </mc:Choice>
     <mc:Fallback xmlns="">
-      <p:transition xmlns:p14="http://schemas.microsoft.com/office/powerpoint/2010/main" spd="med">
+      <p:transition xmlns:p14="http://schemas.microsoft.com/office/powerpoint/2010/main" spd="slow">
         <p:fade/>
       </p:transition>
     </mc:Fallback>
@@ -16597,7 +16624,7 @@
           <a:graphicData uri="http://schemas.openxmlformats.org/presentationml/2006/ole">
             <mc:AlternateContent xmlns:mc="http://schemas.openxmlformats.org/markup-compatibility/2006">
               <mc:Choice xmlns:v="urn:schemas-microsoft-com:vml" Requires="v">
-                <p:oleObj spid="_x0000_s414756" name="Equation" r:id="rId4" imgW="800100" imgH="228600" progId="Equation.DSMT4">
+                <p:oleObj spid="_x0000_s414770" name="Equation" r:id="rId4" imgW="800100" imgH="228600" progId="Equation.DSMT4">
                   <p:embed/>
                 </p:oleObj>
               </mc:Choice>
@@ -16659,7 +16686,7 @@
           <a:graphicData uri="http://schemas.openxmlformats.org/presentationml/2006/ole">
             <mc:AlternateContent xmlns:mc="http://schemas.openxmlformats.org/markup-compatibility/2006">
               <mc:Choice xmlns:v="urn:schemas-microsoft-com:vml" Requires="v">
-                <p:oleObj spid="_x0000_s414757" name="Equation" r:id="rId6" imgW="622300" imgH="241300" progId="Equation.DSMT4">
+                <p:oleObj spid="_x0000_s414771" name="Equation" r:id="rId6" imgW="622300" imgH="241300" progId="Equation.DSMT4">
                   <p:embed/>
                 </p:oleObj>
               </mc:Choice>
@@ -16767,7 +16794,7 @@
             <a:graphicData uri="http://schemas.openxmlformats.org/presentationml/2006/ole">
               <mc:AlternateContent xmlns:mc="http://schemas.openxmlformats.org/markup-compatibility/2006">
                 <mc:Choice xmlns:v="urn:schemas-microsoft-com:vml" Requires="v">
-                  <p:oleObj spid="_x0000_s414758" name="Equation" r:id="rId8" imgW="622300" imgH="241300" progId="Equation.DSMT4">
+                  <p:oleObj spid="_x0000_s414772" name="Equation" r:id="rId8" imgW="622300" imgH="241300" progId="Equation.DSMT4">
                     <p:embed/>
                   </p:oleObj>
                 </mc:Choice>
@@ -16824,7 +16851,7 @@
             <a:graphicData uri="http://schemas.openxmlformats.org/presentationml/2006/ole">
               <mc:AlternateContent xmlns:mc="http://schemas.openxmlformats.org/markup-compatibility/2006">
                 <mc:Choice xmlns:v="urn:schemas-microsoft-com:vml" Requires="v">
-                  <p:oleObj spid="_x0000_s414759" name="Equation" r:id="rId9" imgW="609600" imgH="304800" progId="Equation.DSMT4">
+                  <p:oleObj spid="_x0000_s414773" name="Equation" r:id="rId9" imgW="609600" imgH="304800" progId="Equation.DSMT4">
                     <p:embed/>
                   </p:oleObj>
                 </mc:Choice>
@@ -17261,12 +17288,12 @@
   </p:clrMapOvr>
   <mc:AlternateContent xmlns:mc="http://schemas.openxmlformats.org/markup-compatibility/2006" xmlns:p14="http://schemas.microsoft.com/office/powerpoint/2010/main">
     <mc:Choice Requires="p14">
-      <p:transition spd="med" p14:dur="700">
+      <p:transition spd="slow" p14:dur="59000" advClick="0">
         <p:fade/>
       </p:transition>
     </mc:Choice>
     <mc:Fallback xmlns="">
-      <p:transition xmlns:p14="http://schemas.microsoft.com/office/powerpoint/2010/main" spd="med">
+      <p:transition xmlns:p14="http://schemas.microsoft.com/office/powerpoint/2010/main" spd="slow" advClick="0">
         <p:fade/>
       </p:transition>
     </mc:Fallback>
@@ -18724,7 +18751,7 @@
   </p:clrMapOvr>
   <mc:AlternateContent xmlns:mc="http://schemas.openxmlformats.org/markup-compatibility/2006" xmlns:p14="http://schemas.microsoft.com/office/powerpoint/2010/main">
     <mc:Choice Requires="p14">
-      <p:transition spd="slow" p14:dur="800">
+      <p:transition spd="slow" p14:dur="59000">
         <p:fade thruBlk="1"/>
       </p:transition>
     </mc:Choice>
@@ -19179,7 +19206,7 @@
   </p:clrMapOvr>
   <mc:AlternateContent xmlns:mc="http://schemas.openxmlformats.org/markup-compatibility/2006" xmlns:p14="http://schemas.microsoft.com/office/powerpoint/2010/main">
     <mc:Choice Requires="p14">
-      <p:transition spd="slow" p14:dur="1100">
+      <p:transition spd="slow" p14:dur="59000">
         <p:fade thruBlk="1"/>
       </p:transition>
     </mc:Choice>
@@ -19761,9 +19788,18 @@
   <p:clrMapOvr>
     <a:masterClrMapping/>
   </p:clrMapOvr>
-  <p:transition xmlns:p14="http://schemas.microsoft.com/office/powerpoint/2010/main">
-    <p:fade thruBlk="1"/>
-  </p:transition>
+  <mc:AlternateContent xmlns:mc="http://schemas.openxmlformats.org/markup-compatibility/2006">
+    <mc:Choice xmlns:p14="http://schemas.microsoft.com/office/powerpoint/2010/main" Requires="p14">
+      <p:transition spd="slow" p14:dur="59000">
+        <p:fade thruBlk="1"/>
+      </p:transition>
+    </mc:Choice>
+    <mc:Fallback>
+      <p:transition xmlns:p14="http://schemas.microsoft.com/office/powerpoint/2010/main" spd="slow">
+        <p:fade thruBlk="1"/>
+      </p:transition>
+    </mc:Fallback>
+  </mc:AlternateContent>
   <p:timing>
     <p:tnLst>
       <p:par>
@@ -20277,12 +20313,12 @@
   </p:clrMapOvr>
   <mc:AlternateContent xmlns:mc="http://schemas.openxmlformats.org/markup-compatibility/2006" xmlns:p14="http://schemas.microsoft.com/office/powerpoint/2010/main">
     <mc:Choice Requires="p14">
-      <p:transition spd="med" p14:dur="700">
+      <p:transition spd="slow" p14:dur="59000">
         <p:fade/>
       </p:transition>
     </mc:Choice>
     <mc:Fallback xmlns="">
-      <p:transition xmlns:p14="http://schemas.microsoft.com/office/powerpoint/2010/main" spd="med">
+      <p:transition xmlns:p14="http://schemas.microsoft.com/office/powerpoint/2010/main" spd="slow">
         <p:fade/>
       </p:transition>
     </mc:Fallback>
@@ -20617,9 +20653,18 @@
   <p:clrMapOvr>
     <a:masterClrMapping/>
   </p:clrMapOvr>
-  <p:transition xmlns:p14="http://schemas.microsoft.com/office/powerpoint/2010/main" spd="slow">
-    <p:fade thruBlk="1"/>
-  </p:transition>
+  <mc:AlternateContent xmlns:mc="http://schemas.openxmlformats.org/markup-compatibility/2006">
+    <mc:Choice xmlns:p14="http://schemas.microsoft.com/office/powerpoint/2010/main" Requires="p14">
+      <p:transition spd="slow" p14:dur="59000">
+        <p:fade thruBlk="1"/>
+      </p:transition>
+    </mc:Choice>
+    <mc:Fallback>
+      <p:transition xmlns:p14="http://schemas.microsoft.com/office/powerpoint/2010/main" spd="slow">
+        <p:fade thruBlk="1"/>
+      </p:transition>
+    </mc:Fallback>
+  </mc:AlternateContent>
   <p:timing>
     <p:tnLst>
       <p:par>
@@ -20842,9 +20887,18 @@
   <p:clrMapOvr>
     <a:masterClrMapping/>
   </p:clrMapOvr>
-  <p:transition xmlns:p14="http://schemas.microsoft.com/office/powerpoint/2010/main" spd="slow">
-    <p:fade thruBlk="1"/>
-  </p:transition>
+  <mc:AlternateContent xmlns:mc="http://schemas.openxmlformats.org/markup-compatibility/2006" xmlns:p14="http://schemas.microsoft.com/office/powerpoint/2010/main">
+    <mc:Choice Requires="p14">
+      <p:transition spd="slow" p14:dur="59000">
+        <p:fade thruBlk="1"/>
+      </p:transition>
+    </mc:Choice>
+    <mc:Fallback xmlns="">
+      <p:transition xmlns:p14="http://schemas.microsoft.com/office/powerpoint/2010/main" spd="slow">
+        <p:fade thruBlk="1"/>
+      </p:transition>
+    </mc:Fallback>
+  </mc:AlternateContent>
   <p:timing>
     <p:tnLst>
       <p:par>
@@ -21527,9 +21581,18 @@
   <p:clrMapOvr>
     <a:masterClrMapping/>
   </p:clrMapOvr>
-  <p:transition xmlns:p14="http://schemas.microsoft.com/office/powerpoint/2010/main" advTm="66001">
-    <p:fade thruBlk="1"/>
-  </p:transition>
+  <mc:AlternateContent xmlns:mc="http://schemas.openxmlformats.org/markup-compatibility/2006" xmlns:p14="http://schemas.microsoft.com/office/powerpoint/2010/main">
+    <mc:Choice Requires="p14">
+      <p:transition spd="slow" p14:dur="59000" advClick="0">
+        <p:fade thruBlk="1"/>
+      </p:transition>
+    </mc:Choice>
+    <mc:Fallback xmlns="">
+      <p:transition xmlns:p14="http://schemas.microsoft.com/office/powerpoint/2010/main" spd="slow" advClick="0">
+        <p:fade thruBlk="1"/>
+      </p:transition>
+    </mc:Fallback>
+  </mc:AlternateContent>
   <p:timing>
     <p:tnLst>
       <p:par>
@@ -22205,7 +22268,7 @@
   </p:clrMapOvr>
   <mc:AlternateContent xmlns:mc="http://schemas.openxmlformats.org/markup-compatibility/2006" xmlns:p14="http://schemas.microsoft.com/office/powerpoint/2010/main">
     <mc:Choice Requires="p14">
-      <p:transition spd="slow" p14:dur="900">
+      <p:transition spd="slow" p14:dur="59000">
         <p:fade thruBlk="1"/>
       </p:transition>
     </mc:Choice>
@@ -22796,9 +22859,18 @@
   <p:clrMapOvr>
     <a:masterClrMapping/>
   </p:clrMapOvr>
-  <p:transition xmlns:p14="http://schemas.microsoft.com/office/powerpoint/2010/main" spd="med">
-    <p:fade/>
-  </p:transition>
+  <mc:AlternateContent xmlns:mc="http://schemas.openxmlformats.org/markup-compatibility/2006" xmlns:p14="http://schemas.microsoft.com/office/powerpoint/2010/main">
+    <mc:Choice Requires="p14">
+      <p:transition spd="slow" p14:dur="59000">
+        <p:fade/>
+      </p:transition>
+    </mc:Choice>
+    <mc:Fallback xmlns="">
+      <p:transition xmlns:p14="http://schemas.microsoft.com/office/powerpoint/2010/main" spd="slow">
+        <p:fade/>
+      </p:transition>
+    </mc:Fallback>
+  </mc:AlternateContent>
   <p:timing>
     <p:tnLst>
       <p:par>
@@ -23143,9 +23215,18 @@
   <p:clrMapOvr>
     <a:masterClrMapping/>
   </p:clrMapOvr>
-  <p:transition xmlns:p14="http://schemas.microsoft.com/office/powerpoint/2010/main">
-    <p:fade/>
-  </p:transition>
+  <mc:AlternateContent xmlns:mc="http://schemas.openxmlformats.org/markup-compatibility/2006" xmlns:p14="http://schemas.microsoft.com/office/powerpoint/2010/main">
+    <mc:Choice Requires="p14">
+      <p:transition spd="slow" p14:dur="59000">
+        <p:fade/>
+      </p:transition>
+    </mc:Choice>
+    <mc:Fallback xmlns="">
+      <p:transition xmlns:p14="http://schemas.microsoft.com/office/powerpoint/2010/main" spd="slow">
+        <p:fade/>
+      </p:transition>
+    </mc:Fallback>
+  </mc:AlternateContent>
   <p:timing>
     <p:tnLst>
       <p:par>
@@ -24903,9 +24984,18 @@
   <p:clrMapOvr>
     <a:masterClrMapping/>
   </p:clrMapOvr>
-  <p:transition xmlns:p14="http://schemas.microsoft.com/office/powerpoint/2010/main">
-    <p:fade thruBlk="1"/>
-  </p:transition>
+  <mc:AlternateContent xmlns:mc="http://schemas.openxmlformats.org/markup-compatibility/2006" xmlns:p14="http://schemas.microsoft.com/office/powerpoint/2010/main">
+    <mc:Choice Requires="p14">
+      <p:transition spd="slow" p14:dur="59000">
+        <p:fade thruBlk="1"/>
+      </p:transition>
+    </mc:Choice>
+    <mc:Fallback xmlns="">
+      <p:transition xmlns:p14="http://schemas.microsoft.com/office/powerpoint/2010/main" spd="slow">
+        <p:fade thruBlk="1"/>
+      </p:transition>
+    </mc:Fallback>
+  </mc:AlternateContent>
   <p:timing>
     <p:tnLst>
       <p:par>
@@ -25409,9 +25499,18 @@
   <p:clrMapOvr>
     <a:masterClrMapping/>
   </p:clrMapOvr>
-  <p:transition xmlns:p14="http://schemas.microsoft.com/office/powerpoint/2010/main">
-    <p:fade thruBlk="1"/>
-  </p:transition>
+  <mc:AlternateContent xmlns:mc="http://schemas.openxmlformats.org/markup-compatibility/2006" xmlns:p14="http://schemas.microsoft.com/office/powerpoint/2010/main">
+    <mc:Choice Requires="p14">
+      <p:transition spd="slow" p14:dur="59000">
+        <p:fade thruBlk="1"/>
+      </p:transition>
+    </mc:Choice>
+    <mc:Fallback xmlns="">
+      <p:transition xmlns:p14="http://schemas.microsoft.com/office/powerpoint/2010/main" spd="slow">
+        <p:fade thruBlk="1"/>
+      </p:transition>
+    </mc:Fallback>
+  </mc:AlternateContent>
   <p:timing>
     <p:tnLst>
       <p:par>
@@ -25832,9 +25931,18 @@
   <p:clrMapOvr>
     <a:masterClrMapping/>
   </p:clrMapOvr>
-  <p:transition xmlns:p14="http://schemas.microsoft.com/office/powerpoint/2010/main">
-    <p:fade/>
-  </p:transition>
+  <mc:AlternateContent xmlns:mc="http://schemas.openxmlformats.org/markup-compatibility/2006" xmlns:p14="http://schemas.microsoft.com/office/powerpoint/2010/main">
+    <mc:Choice Requires="p14">
+      <p:transition spd="slow" p14:dur="59000">
+        <p:fade/>
+      </p:transition>
+    </mc:Choice>
+    <mc:Fallback xmlns="">
+      <p:transition xmlns:p14="http://schemas.microsoft.com/office/powerpoint/2010/main" spd="slow">
+        <p:fade/>
+      </p:transition>
+    </mc:Fallback>
+  </mc:AlternateContent>
   <p:timing>
     <p:tnLst>
       <p:par>
@@ -26117,9 +26225,18 @@
   <p:clrMapOvr>
     <a:masterClrMapping/>
   </p:clrMapOvr>
-  <p:transition xmlns:p14="http://schemas.microsoft.com/office/powerpoint/2010/main" spd="slow" advTm="0">
-    <p:fade/>
-  </p:transition>
+  <mc:AlternateContent xmlns:mc="http://schemas.openxmlformats.org/markup-compatibility/2006" xmlns:p14="http://schemas.microsoft.com/office/powerpoint/2010/main">
+    <mc:Choice Requires="p14">
+      <p:transition spd="slow" p14:dur="59000" advTm="0">
+        <p:fade/>
+      </p:transition>
+    </mc:Choice>
+    <mc:Fallback xmlns="">
+      <p:transition xmlns:p14="http://schemas.microsoft.com/office/powerpoint/2010/main" spd="slow" advTm="0">
+        <p:fade/>
+      </p:transition>
+    </mc:Fallback>
+  </mc:AlternateContent>
   <p:timing>
     <p:tnLst>
       <p:par>
@@ -26443,9 +26560,18 @@
   <p:clrMapOvr>
     <a:masterClrMapping/>
   </p:clrMapOvr>
-  <p:transition xmlns:p14="http://schemas.microsoft.com/office/powerpoint/2010/main" spd="slow">
-    <p:fade/>
-  </p:transition>
+  <mc:AlternateContent xmlns:mc="http://schemas.openxmlformats.org/markup-compatibility/2006" xmlns:p14="http://schemas.microsoft.com/office/powerpoint/2010/main">
+    <mc:Choice Requires="p14">
+      <p:transition spd="slow" p14:dur="59000">
+        <p:fade/>
+      </p:transition>
+    </mc:Choice>
+    <mc:Fallback xmlns="">
+      <p:transition xmlns:p14="http://schemas.microsoft.com/office/powerpoint/2010/main" spd="slow">
+        <p:fade/>
+      </p:transition>
+    </mc:Fallback>
+  </mc:AlternateContent>
   <p:timing>
     <p:tnLst>
       <p:par>
@@ -26759,9 +26885,18 @@
   <p:clrMapOvr>
     <a:masterClrMapping/>
   </p:clrMapOvr>
-  <p:transition xmlns:p14="http://schemas.microsoft.com/office/powerpoint/2010/main" spd="slow">
-    <p:fade/>
-  </p:transition>
+  <mc:AlternateContent xmlns:mc="http://schemas.openxmlformats.org/markup-compatibility/2006" xmlns:p14="http://schemas.microsoft.com/office/powerpoint/2010/main">
+    <mc:Choice Requires="p14">
+      <p:transition spd="slow" p14:dur="59000">
+        <p:fade/>
+      </p:transition>
+    </mc:Choice>
+    <mc:Fallback xmlns="">
+      <p:transition xmlns:p14="http://schemas.microsoft.com/office/powerpoint/2010/main" spd="slow">
+        <p:fade/>
+      </p:transition>
+    </mc:Fallback>
+  </mc:AlternateContent>
   <p:timing>
     <p:tnLst>
       <p:par>
@@ -26934,7 +27069,7 @@
   </p:clrMapOvr>
   <mc:AlternateContent xmlns:mc="http://schemas.openxmlformats.org/markup-compatibility/2006" xmlns:p14="http://schemas.microsoft.com/office/powerpoint/2010/main">
     <mc:Choice Requires="p14">
-      <p:transition spd="slow" p14:dur="1100">
+      <p:transition spd="slow" p14:dur="59000">
         <p:fade thruBlk="1"/>
       </p:transition>
     </mc:Choice>
@@ -26987,7 +27122,7 @@
           <a:graphicData uri="http://schemas.openxmlformats.org/presentationml/2006/ole">
             <mc:AlternateContent xmlns:mc="http://schemas.openxmlformats.org/markup-compatibility/2006">
               <mc:Choice xmlns:v="urn:schemas-microsoft-com:vml" Requires="v">
-                <p:oleObj spid="_x0000_s236638" name="Equation" r:id="rId5" imgW="1346040" imgH="215640" progId="Equation.DSMT4">
+                <p:oleObj spid="_x0000_s236646" name="Equation" r:id="rId5" imgW="1346040" imgH="215640" progId="Equation.DSMT4">
                   <p:embed/>
                 </p:oleObj>
               </mc:Choice>
@@ -27057,7 +27192,7 @@
           <a:graphicData uri="http://schemas.openxmlformats.org/presentationml/2006/ole">
             <mc:AlternateContent xmlns:mc="http://schemas.openxmlformats.org/markup-compatibility/2006">
               <mc:Choice xmlns:v="urn:schemas-microsoft-com:vml" Requires="v">
-                <p:oleObj spid="_x0000_s236639" name="Equation" r:id="rId7" imgW="1333500" imgH="228600" progId="Equation.DSMT4">
+                <p:oleObj spid="_x0000_s236647" name="Equation" r:id="rId7" imgW="1333500" imgH="228600" progId="Equation.DSMT4">
                   <p:embed/>
                 </p:oleObj>
               </mc:Choice>
@@ -27320,9 +27455,18 @@
   <p:clrMapOvr>
     <a:masterClrMapping/>
   </p:clrMapOvr>
-  <p:transition xmlns:p14="http://schemas.microsoft.com/office/powerpoint/2010/main" advTm="88248">
-    <p:fade/>
-  </p:transition>
+  <mc:AlternateContent xmlns:mc="http://schemas.openxmlformats.org/markup-compatibility/2006" xmlns:p14="http://schemas.microsoft.com/office/powerpoint/2010/main">
+    <mc:Choice Requires="p14">
+      <p:transition spd="slow" p14:dur="59000" advClick="0">
+        <p:fade/>
+      </p:transition>
+    </mc:Choice>
+    <mc:Fallback xmlns="">
+      <p:transition xmlns:p14="http://schemas.microsoft.com/office/powerpoint/2010/main" spd="slow" advClick="0">
+        <p:fade/>
+      </p:transition>
+    </mc:Fallback>
+  </mc:AlternateContent>
   <p:timing>
     <p:tnLst>
       <p:par>
@@ -27503,6 +27647,838 @@
 </file>
 
 <file path=ppt/slides/slide30.xml><?xml version="1.0" encoding="utf-8"?>
+<p:sld xmlns:a="http://schemas.openxmlformats.org/drawingml/2006/main" xmlns:r="http://schemas.openxmlformats.org/officeDocument/2006/relationships" xmlns:p="http://schemas.openxmlformats.org/presentationml/2006/main">
+  <p:cSld>
+    <p:spTree>
+      <p:nvGrpSpPr>
+        <p:cNvPr id="1" name=""/>
+        <p:cNvGrpSpPr/>
+        <p:nvPr/>
+      </p:nvGrpSpPr>
+      <p:grpSpPr>
+        <a:xfrm>
+          <a:off x="0" y="0"/>
+          <a:ext cx="0" cy="0"/>
+          <a:chOff x="0" y="0"/>
+          <a:chExt cx="0" cy="0"/>
+        </a:xfrm>
+      </p:grpSpPr>
+      <p:sp>
+        <p:nvSpPr>
+          <p:cNvPr id="2" name="Title 1"/>
+          <p:cNvSpPr>
+            <a:spLocks noGrp="1"/>
+          </p:cNvSpPr>
+          <p:nvPr>
+            <p:ph type="title"/>
+          </p:nvPr>
+        </p:nvSpPr>
+        <p:spPr/>
+        <p:txBody>
+          <a:bodyPr/>
+          <a:lstStyle/>
+          <a:p>
+            <a:r>
+              <a:rPr lang="en-US" dirty="0" smtClean="0">
+                <a:solidFill>
+                  <a:srgbClr val="BB0FAB"/>
+                </a:solidFill>
+              </a:rPr>
+              <a:t>modus ponens</a:t>
+            </a:r>
+            <a:r>
+              <a:rPr lang="en-US" dirty="0" smtClean="0"/>
+              <a:t> rule</a:t>
+            </a:r>
+            <a:endParaRPr lang="en-US" dirty="0"/>
+          </a:p>
+        </p:txBody>
+      </p:sp>
+      <p:sp>
+        <p:nvSpPr>
+          <p:cNvPr id="4" name="Slide Number Placeholder 3"/>
+          <p:cNvSpPr>
+            <a:spLocks noGrp="1"/>
+          </p:cNvSpPr>
+          <p:nvPr>
+            <p:ph type="sldNum" sz="quarter" idx="10"/>
+          </p:nvPr>
+        </p:nvSpPr>
+        <p:spPr/>
+        <p:txBody>
+          <a:bodyPr/>
+          <a:lstStyle/>
+          <a:p>
+            <a:pPr>
+              <a:defRPr/>
+            </a:pPr>
+            <a:r>
+              <a:rPr lang="en-US" smtClean="0"/>
+              <a:t>propositional logic I..</a:t>
+            </a:r>
+            <a:fld id="{A528ADE2-B74F-4D9D-8D04-FB5D781EAB51}" type="slidenum">
+              <a:rPr lang="en-US" smtClean="0"/>
+              <a:pPr>
+                <a:defRPr/>
+              </a:pPr>
+              <a:t>30</a:t>
+            </a:fld>
+            <a:endParaRPr lang="en-US" dirty="0"/>
+          </a:p>
+        </p:txBody>
+      </p:sp>
+      <p:graphicFrame>
+        <p:nvGraphicFramePr>
+          <p:cNvPr id="5" name="Object 4"/>
+          <p:cNvGraphicFramePr>
+            <a:graphicFrameLocks noChangeAspect="1"/>
+          </p:cNvGraphicFramePr>
+          <p:nvPr>
+            <p:extLst>
+              <p:ext uri="{D42A27DB-BD31-4B8C-83A1-F6EECF244321}">
+                <p14:modId xmlns:p14="http://schemas.microsoft.com/office/powerpoint/2010/main" val="4009171247"/>
+              </p:ext>
+            </p:extLst>
+          </p:nvPr>
+        </p:nvGraphicFramePr>
+        <p:xfrm>
+          <a:off x="1476294" y="2233074"/>
+          <a:ext cx="5794456" cy="2429933"/>
+        </p:xfrm>
+        <a:graphic>
+          <a:graphicData uri="http://schemas.openxmlformats.org/presentationml/2006/ole">
+            <mc:AlternateContent xmlns:mc="http://schemas.openxmlformats.org/markup-compatibility/2006">
+              <mc:Choice xmlns:v="urn:schemas-microsoft-com:vml" Requires="v">
+                <p:oleObj spid="_x0000_s1052" name="Equation" r:id="rId3" imgW="1181100" imgH="495300" progId="Equation.DSMT4">
+                  <p:embed/>
+                </p:oleObj>
+              </mc:Choice>
+              <mc:Fallback>
+                <p:oleObj name="Equation" r:id="rId3" imgW="1181100" imgH="495300" progId="Equation.DSMT4">
+                  <p:embed/>
+                  <p:pic>
+                    <p:nvPicPr>
+                      <p:cNvPr id="0" name=""/>
+                      <p:cNvPicPr/>
+                      <p:nvPr/>
+                    </p:nvPicPr>
+                    <p:blipFill>
+                      <a:blip r:embed="rId4"/>
+                      <a:stretch>
+                        <a:fillRect/>
+                      </a:stretch>
+                    </p:blipFill>
+                    <p:spPr>
+                      <a:xfrm>
+                        <a:off x="1476294" y="2233074"/>
+                        <a:ext cx="5794456" cy="2429933"/>
+                      </a:xfrm>
+                      <a:prstGeom prst="rect">
+                        <a:avLst/>
+                      </a:prstGeom>
+                    </p:spPr>
+                  </p:pic>
+                </p:oleObj>
+              </mc:Fallback>
+            </mc:AlternateContent>
+          </a:graphicData>
+        </a:graphic>
+      </p:graphicFrame>
+      <p:graphicFrame>
+        <p:nvGraphicFramePr>
+          <p:cNvPr id="6" name="Object 5"/>
+          <p:cNvGraphicFramePr>
+            <a:graphicFrameLocks noChangeAspect="1"/>
+          </p:cNvGraphicFramePr>
+          <p:nvPr>
+            <p:extLst>
+              <p:ext uri="{D42A27DB-BD31-4B8C-83A1-F6EECF244321}">
+                <p14:modId xmlns:p14="http://schemas.microsoft.com/office/powerpoint/2010/main" val="3768623414"/>
+              </p:ext>
+            </p:extLst>
+          </p:nvPr>
+        </p:nvGraphicFramePr>
+        <p:xfrm>
+          <a:off x="1505999" y="896409"/>
+          <a:ext cx="5658909" cy="3396925"/>
+        </p:xfrm>
+        <a:graphic>
+          <a:graphicData uri="http://schemas.openxmlformats.org/presentationml/2006/ole">
+            <mc:AlternateContent xmlns:mc="http://schemas.openxmlformats.org/markup-compatibility/2006">
+              <mc:Choice xmlns:v="urn:schemas-microsoft-com:vml" Requires="v">
+                <p:oleObj spid="_x0000_s1053" name="Equation" r:id="rId5" imgW="762000" imgH="457200" progId="Equation.DSMT4">
+                  <p:embed/>
+                </p:oleObj>
+              </mc:Choice>
+              <mc:Fallback>
+                <p:oleObj name="Equation" r:id="rId5" imgW="762000" imgH="457200" progId="Equation.DSMT4">
+                  <p:embed/>
+                  <p:pic>
+                    <p:nvPicPr>
+                      <p:cNvPr id="0" name=""/>
+                      <p:cNvPicPr/>
+                      <p:nvPr/>
+                    </p:nvPicPr>
+                    <p:blipFill>
+                      <a:blip r:embed="rId6"/>
+                      <a:stretch>
+                        <a:fillRect/>
+                      </a:stretch>
+                    </p:blipFill>
+                    <p:spPr>
+                      <a:xfrm>
+                        <a:off x="1505999" y="896409"/>
+                        <a:ext cx="5658909" cy="3396925"/>
+                      </a:xfrm>
+                      <a:prstGeom prst="rect">
+                        <a:avLst/>
+                      </a:prstGeom>
+                    </p:spPr>
+                  </p:pic>
+                </p:oleObj>
+              </mc:Fallback>
+            </mc:AlternateContent>
+          </a:graphicData>
+        </a:graphic>
+      </p:graphicFrame>
+      <p:graphicFrame>
+        <p:nvGraphicFramePr>
+          <p:cNvPr id="7" name="Object 6"/>
+          <p:cNvGraphicFramePr>
+            <a:graphicFrameLocks noChangeAspect="1"/>
+          </p:cNvGraphicFramePr>
+          <p:nvPr>
+            <p:extLst>
+              <p:ext uri="{D42A27DB-BD31-4B8C-83A1-F6EECF244321}">
+                <p14:modId xmlns:p14="http://schemas.microsoft.com/office/powerpoint/2010/main" val="137192701"/>
+              </p:ext>
+            </p:extLst>
+          </p:nvPr>
+        </p:nvGraphicFramePr>
+        <p:xfrm>
+          <a:off x="3384550" y="3429000"/>
+          <a:ext cx="2033588" cy="1976438"/>
+        </p:xfrm>
+        <a:graphic>
+          <a:graphicData uri="http://schemas.openxmlformats.org/presentationml/2006/ole">
+            <mc:AlternateContent xmlns:mc="http://schemas.openxmlformats.org/markup-compatibility/2006">
+              <mc:Choice xmlns:v="urn:schemas-microsoft-com:vml" Requires="v">
+                <p:oleObj spid="_x0000_s1054" name="Equation" r:id="rId7" imgW="444500" imgH="431800" progId="Equation.DSMT4">
+                  <p:embed/>
+                </p:oleObj>
+              </mc:Choice>
+              <mc:Fallback>
+                <p:oleObj name="Equation" r:id="rId7" imgW="444500" imgH="431800" progId="Equation.DSMT4">
+                  <p:embed/>
+                  <p:pic>
+                    <p:nvPicPr>
+                      <p:cNvPr id="0" name=""/>
+                      <p:cNvPicPr/>
+                      <p:nvPr/>
+                    </p:nvPicPr>
+                    <p:blipFill>
+                      <a:blip r:embed="rId8"/>
+                      <a:stretch>
+                        <a:fillRect/>
+                      </a:stretch>
+                    </p:blipFill>
+                    <p:spPr>
+                      <a:xfrm>
+                        <a:off x="3384550" y="3429000"/>
+                        <a:ext cx="2033588" cy="1976438"/>
+                      </a:xfrm>
+                      <a:prstGeom prst="rect">
+                        <a:avLst/>
+                      </a:prstGeom>
+                    </p:spPr>
+                  </p:pic>
+                </p:oleObj>
+              </mc:Fallback>
+            </mc:AlternateContent>
+          </a:graphicData>
+        </a:graphic>
+      </p:graphicFrame>
+    </p:spTree>
+    <p:extLst>
+      <p:ext uri="{BB962C8B-B14F-4D97-AF65-F5344CB8AC3E}">
+        <p14:creationId xmlns:p14="http://schemas.microsoft.com/office/powerpoint/2010/main" val="3165137657"/>
+      </p:ext>
+    </p:extLst>
+  </p:cSld>
+  <p:clrMapOvr>
+    <a:masterClrMapping/>
+  </p:clrMapOvr>
+  <mc:AlternateContent xmlns:mc="http://schemas.openxmlformats.org/markup-compatibility/2006" xmlns:p14="http://schemas.microsoft.com/office/powerpoint/2010/main">
+    <mc:Choice Requires="p14">
+      <p:transition spd="slow" p14:dur="59000">
+        <p:fade/>
+      </p:transition>
+    </mc:Choice>
+    <mc:Fallback xmlns="">
+      <p:transition xmlns:p14="http://schemas.microsoft.com/office/powerpoint/2010/main" spd="slow">
+        <p:fade/>
+      </p:transition>
+    </mc:Fallback>
+  </mc:AlternateContent>
+  <p:timing>
+    <p:tnLst>
+      <p:par>
+        <p:cTn xmlns:p14="http://schemas.microsoft.com/office/powerpoint/2010/main" id="1" dur="indefinite" restart="never" nodeType="tmRoot">
+          <p:childTnLst>
+            <p:seq concurrent="1" nextAc="seek">
+              <p:cTn id="2" dur="indefinite" nodeType="mainSeq">
+                <p:childTnLst>
+                  <p:par>
+                    <p:cTn id="3" fill="hold">
+                      <p:stCondLst>
+                        <p:cond delay="indefinite"/>
+                      </p:stCondLst>
+                      <p:childTnLst>
+                        <p:par>
+                          <p:cTn id="4" fill="hold">
+                            <p:stCondLst>
+                              <p:cond delay="0"/>
+                            </p:stCondLst>
+                            <p:childTnLst>
+                              <p:par>
+                                <p:cTn id="5" presetID="22" presetClass="entr" presetSubtype="1" fill="hold" nodeType="clickEffect">
+                                  <p:stCondLst>
+                                    <p:cond delay="0"/>
+                                  </p:stCondLst>
+                                  <p:childTnLst>
+                                    <p:set>
+                                      <p:cBhvr>
+                                        <p:cTn id="6" dur="1" fill="hold">
+                                          <p:stCondLst>
+                                            <p:cond delay="0"/>
+                                          </p:stCondLst>
+                                        </p:cTn>
+                                        <p:tgtEl>
+                                          <p:spTgt spid="6"/>
+                                        </p:tgtEl>
+                                        <p:attrNameLst>
+                                          <p:attrName>style.visibility</p:attrName>
+                                        </p:attrNameLst>
+                                      </p:cBhvr>
+                                      <p:to>
+                                        <p:strVal val="visible"/>
+                                      </p:to>
+                                    </p:set>
+                                    <p:animEffect transition="in" filter="wipe(up)">
+                                      <p:cBhvr>
+                                        <p:cTn id="7" dur="1000"/>
+                                        <p:tgtEl>
+                                          <p:spTgt spid="6"/>
+                                        </p:tgtEl>
+                                      </p:cBhvr>
+                                    </p:animEffect>
+                                  </p:childTnLst>
+                                </p:cTn>
+                              </p:par>
+                            </p:childTnLst>
+                          </p:cTn>
+                        </p:par>
+                      </p:childTnLst>
+                    </p:cTn>
+                  </p:par>
+                  <p:par>
+                    <p:cTn id="8" fill="hold">
+                      <p:stCondLst>
+                        <p:cond delay="indefinite"/>
+                      </p:stCondLst>
+                      <p:childTnLst>
+                        <p:par>
+                          <p:cTn id="9" fill="hold">
+                            <p:stCondLst>
+                              <p:cond delay="0"/>
+                            </p:stCondLst>
+                            <p:childTnLst>
+                              <p:par>
+                                <p:cTn id="10" presetID="22" presetClass="entr" presetSubtype="4" fill="hold" nodeType="clickEffect">
+                                  <p:stCondLst>
+                                    <p:cond delay="0"/>
+                                  </p:stCondLst>
+                                  <p:childTnLst>
+                                    <p:set>
+                                      <p:cBhvr>
+                                        <p:cTn id="11" dur="1" fill="hold">
+                                          <p:stCondLst>
+                                            <p:cond delay="0"/>
+                                          </p:stCondLst>
+                                        </p:cTn>
+                                        <p:tgtEl>
+                                          <p:spTgt spid="7"/>
+                                        </p:tgtEl>
+                                        <p:attrNameLst>
+                                          <p:attrName>style.visibility</p:attrName>
+                                        </p:attrNameLst>
+                                      </p:cBhvr>
+                                      <p:to>
+                                        <p:strVal val="visible"/>
+                                      </p:to>
+                                    </p:set>
+                                    <p:animEffect transition="in" filter="wipe(down)">
+                                      <p:cBhvr>
+                                        <p:cTn id="12" dur="500"/>
+                                        <p:tgtEl>
+                                          <p:spTgt spid="7"/>
+                                        </p:tgtEl>
+                                      </p:cBhvr>
+                                    </p:animEffect>
+                                  </p:childTnLst>
+                                </p:cTn>
+                              </p:par>
+                            </p:childTnLst>
+                          </p:cTn>
+                        </p:par>
+                      </p:childTnLst>
+                    </p:cTn>
+                  </p:par>
+                </p:childTnLst>
+              </p:cTn>
+              <p:prevCondLst>
+                <p:cond evt="onPrev" delay="0">
+                  <p:tgtEl>
+                    <p:sldTgt/>
+                  </p:tgtEl>
+                </p:cond>
+              </p:prevCondLst>
+              <p:nextCondLst>
+                <p:cond evt="onNext" delay="0">
+                  <p:tgtEl>
+                    <p:sldTgt/>
+                  </p:tgtEl>
+                </p:cond>
+              </p:nextCondLst>
+            </p:seq>
+          </p:childTnLst>
+        </p:cTn>
+      </p:par>
+    </p:tnLst>
+  </p:timing>
+</p:sld>
+</file>
+
+<file path=ppt/slides/slide31.xml><?xml version="1.0" encoding="utf-8"?>
+<p:sld xmlns:a="http://schemas.openxmlformats.org/drawingml/2006/main" xmlns:r="http://schemas.openxmlformats.org/officeDocument/2006/relationships" xmlns:p="http://schemas.openxmlformats.org/presentationml/2006/main">
+  <p:cSld>
+    <p:spTree>
+      <p:nvGrpSpPr>
+        <p:cNvPr id="1" name=""/>
+        <p:cNvGrpSpPr/>
+        <p:nvPr/>
+      </p:nvGrpSpPr>
+      <p:grpSpPr>
+        <a:xfrm>
+          <a:off x="0" y="0"/>
+          <a:ext cx="0" cy="0"/>
+          <a:chOff x="0" y="0"/>
+          <a:chExt cx="0" cy="0"/>
+        </a:xfrm>
+      </p:grpSpPr>
+      <p:sp>
+        <p:nvSpPr>
+          <p:cNvPr id="2" name="Title 1"/>
+          <p:cNvSpPr>
+            <a:spLocks noGrp="1"/>
+          </p:cNvSpPr>
+          <p:nvPr>
+            <p:ph type="title"/>
+          </p:nvPr>
+        </p:nvSpPr>
+        <p:spPr/>
+        <p:txBody>
+          <a:bodyPr/>
+          <a:lstStyle/>
+          <a:p>
+            <a:r>
+              <a:rPr lang="en-US" dirty="0" smtClean="0"/>
+              <a:t>Soundness</a:t>
+            </a:r>
+            <a:endParaRPr lang="en-US" dirty="0"/>
+          </a:p>
+        </p:txBody>
+      </p:sp>
+      <p:sp>
+        <p:nvSpPr>
+          <p:cNvPr id="3" name="Content Placeholder 2"/>
+          <p:cNvSpPr>
+            <a:spLocks noGrp="1"/>
+          </p:cNvSpPr>
+          <p:nvPr>
+            <p:ph idx="1"/>
+          </p:nvPr>
+        </p:nvSpPr>
+        <p:spPr>
+          <a:xfrm>
+            <a:off x="275167" y="1371600"/>
+            <a:ext cx="8710083" cy="4142318"/>
+          </a:xfrm>
+        </p:spPr>
+        <p:txBody>
+          <a:bodyPr/>
+          <a:lstStyle/>
+          <a:p>
+            <a:r>
+              <a:rPr lang="en-US" sz="4800" dirty="0" smtClean="0"/>
+              <a:t>A </a:t>
+            </a:r>
+            <a:r>
+              <a:rPr lang="en-US" sz="4800" dirty="0" smtClean="0">
+                <a:solidFill>
+                  <a:srgbClr val="006600"/>
+                </a:solidFill>
+              </a:rPr>
+              <a:t>sound</a:t>
+            </a:r>
+            <a:r>
+              <a:rPr lang="en-US" sz="4800" dirty="0" smtClean="0"/>
+              <a:t> rule preserves truth:</a:t>
+            </a:r>
+          </a:p>
+          <a:p>
+            <a:r>
+              <a:rPr lang="en-US" sz="5400" dirty="0"/>
+              <a:t>i</a:t>
+            </a:r>
+            <a:r>
+              <a:rPr lang="en-US" sz="5400" dirty="0" smtClean="0"/>
+              <a:t>f all the antecedents are </a:t>
+            </a:r>
+          </a:p>
+          <a:p>
+            <a:r>
+              <a:rPr lang="en-US" sz="5400" dirty="0" smtClean="0"/>
+              <a:t>true is some environment, </a:t>
+            </a:r>
+          </a:p>
+          <a:p>
+            <a:r>
+              <a:rPr lang="en-US" sz="5400" dirty="0" smtClean="0"/>
+              <a:t>then so is the conclusion.</a:t>
+            </a:r>
+            <a:endParaRPr lang="en-US" sz="5400" dirty="0"/>
+          </a:p>
+        </p:txBody>
+      </p:sp>
+      <p:sp>
+        <p:nvSpPr>
+          <p:cNvPr id="4" name="Slide Number Placeholder 3"/>
+          <p:cNvSpPr>
+            <a:spLocks noGrp="1"/>
+          </p:cNvSpPr>
+          <p:nvPr>
+            <p:ph type="sldNum" sz="quarter" idx="10"/>
+          </p:nvPr>
+        </p:nvSpPr>
+        <p:spPr/>
+        <p:txBody>
+          <a:bodyPr/>
+          <a:lstStyle/>
+          <a:p>
+            <a:pPr>
+              <a:defRPr/>
+            </a:pPr>
+            <a:r>
+              <a:rPr lang="en-US" smtClean="0"/>
+              <a:t>propositional logic I..</a:t>
+            </a:r>
+            <a:fld id="{A528ADE2-B74F-4D9D-8D04-FB5D781EAB51}" type="slidenum">
+              <a:rPr lang="en-US" smtClean="0"/>
+              <a:pPr>
+                <a:defRPr/>
+              </a:pPr>
+              <a:t>31</a:t>
+            </a:fld>
+            <a:endParaRPr lang="en-US" dirty="0"/>
+          </a:p>
+        </p:txBody>
+      </p:sp>
+    </p:spTree>
+    <p:extLst>
+      <p:ext uri="{BB962C8B-B14F-4D97-AF65-F5344CB8AC3E}">
+        <p14:creationId xmlns:p14="http://schemas.microsoft.com/office/powerpoint/2010/main" val="4016570365"/>
+      </p:ext>
+    </p:extLst>
+  </p:cSld>
+  <p:clrMapOvr>
+    <a:masterClrMapping/>
+  </p:clrMapOvr>
+  <mc:AlternateContent xmlns:mc="http://schemas.openxmlformats.org/markup-compatibility/2006" xmlns:p14="http://schemas.microsoft.com/office/powerpoint/2010/main">
+    <mc:Choice Requires="p14">
+      <p:transition spd="slow" p14:dur="59000">
+        <p:fade/>
+      </p:transition>
+    </mc:Choice>
+    <mc:Fallback xmlns="">
+      <p:transition xmlns:p14="http://schemas.microsoft.com/office/powerpoint/2010/main" spd="slow">
+        <p:fade/>
+      </p:transition>
+    </mc:Fallback>
+  </mc:AlternateContent>
+  <p:timing>
+    <p:tnLst>
+      <p:par>
+        <p:cTn xmlns:p14="http://schemas.microsoft.com/office/powerpoint/2010/main" id="1" dur="indefinite" restart="never" nodeType="tmRoot">
+          <p:childTnLst>
+            <p:seq concurrent="1" nextAc="seek">
+              <p:cTn id="2" dur="indefinite" nodeType="mainSeq">
+                <p:childTnLst>
+                  <p:par>
+                    <p:cTn id="3" fill="hold">
+                      <p:stCondLst>
+                        <p:cond delay="indefinite"/>
+                      </p:stCondLst>
+                      <p:childTnLst>
+                        <p:par>
+                          <p:cTn id="4" fill="hold">
+                            <p:stCondLst>
+                              <p:cond delay="0"/>
+                            </p:stCondLst>
+                            <p:childTnLst>
+                              <p:par>
+                                <p:cTn id="5" presetID="9" presetClass="entr" presetSubtype="0" fill="hold" grpId="0" nodeType="clickEffect">
+                                  <p:stCondLst>
+                                    <p:cond delay="0"/>
+                                  </p:stCondLst>
+                                  <p:childTnLst>
+                                    <p:set>
+                                      <p:cBhvr>
+                                        <p:cTn id="6" dur="1" fill="hold">
+                                          <p:stCondLst>
+                                            <p:cond delay="0"/>
+                                          </p:stCondLst>
+                                        </p:cTn>
+                                        <p:tgtEl>
+                                          <p:spTgt spid="3">
+                                            <p:txEl>
+                                              <p:pRg st="0" end="0"/>
+                                            </p:txEl>
+                                          </p:spTgt>
+                                        </p:tgtEl>
+                                        <p:attrNameLst>
+                                          <p:attrName>style.visibility</p:attrName>
+                                        </p:attrNameLst>
+                                      </p:cBhvr>
+                                      <p:to>
+                                        <p:strVal val="visible"/>
+                                      </p:to>
+                                    </p:set>
+                                    <p:animEffect transition="in" filter="dissolve">
+                                      <p:cBhvr>
+                                        <p:cTn id="7" dur="500"/>
+                                        <p:tgtEl>
+                                          <p:spTgt spid="3">
+                                            <p:txEl>
+                                              <p:pRg st="0" end="0"/>
+                                            </p:txEl>
+                                          </p:spTgt>
+                                        </p:tgtEl>
+                                      </p:cBhvr>
+                                    </p:animEffect>
+                                  </p:childTnLst>
+                                </p:cTn>
+                              </p:par>
+                            </p:childTnLst>
+                          </p:cTn>
+                        </p:par>
+                      </p:childTnLst>
+                    </p:cTn>
+                  </p:par>
+                  <p:par>
+                    <p:cTn id="8" fill="hold">
+                      <p:stCondLst>
+                        <p:cond delay="indefinite"/>
+                      </p:stCondLst>
+                      <p:childTnLst>
+                        <p:par>
+                          <p:cTn id="9" fill="hold">
+                            <p:stCondLst>
+                              <p:cond delay="0"/>
+                            </p:stCondLst>
+                            <p:childTnLst>
+                              <p:par>
+                                <p:cTn id="10" presetID="9" presetClass="entr" presetSubtype="0" fill="hold" grpId="0" nodeType="clickEffect">
+                                  <p:stCondLst>
+                                    <p:cond delay="0"/>
+                                  </p:stCondLst>
+                                  <p:childTnLst>
+                                    <p:set>
+                                      <p:cBhvr>
+                                        <p:cTn id="11" dur="1" fill="hold">
+                                          <p:stCondLst>
+                                            <p:cond delay="0"/>
+                                          </p:stCondLst>
+                                        </p:cTn>
+                                        <p:tgtEl>
+                                          <p:spTgt spid="3">
+                                            <p:txEl>
+                                              <p:pRg st="1" end="1"/>
+                                            </p:txEl>
+                                          </p:spTgt>
+                                        </p:tgtEl>
+                                        <p:attrNameLst>
+                                          <p:attrName>style.visibility</p:attrName>
+                                        </p:attrNameLst>
+                                      </p:cBhvr>
+                                      <p:to>
+                                        <p:strVal val="visible"/>
+                                      </p:to>
+                                    </p:set>
+                                    <p:animEffect transition="in" filter="dissolve">
+                                      <p:cBhvr>
+                                        <p:cTn id="12" dur="500"/>
+                                        <p:tgtEl>
+                                          <p:spTgt spid="3">
+                                            <p:txEl>
+                                              <p:pRg st="1" end="1"/>
+                                            </p:txEl>
+                                          </p:spTgt>
+                                        </p:tgtEl>
+                                      </p:cBhvr>
+                                    </p:animEffect>
+                                  </p:childTnLst>
+                                </p:cTn>
+                              </p:par>
+                              <p:par>
+                                <p:cTn id="13" presetID="9" presetClass="entr" presetSubtype="0" fill="hold" grpId="0" nodeType="withEffect">
+                                  <p:stCondLst>
+                                    <p:cond delay="0"/>
+                                  </p:stCondLst>
+                                  <p:childTnLst>
+                                    <p:set>
+                                      <p:cBhvr>
+                                        <p:cTn id="14" dur="1" fill="hold">
+                                          <p:stCondLst>
+                                            <p:cond delay="0"/>
+                                          </p:stCondLst>
+                                        </p:cTn>
+                                        <p:tgtEl>
+                                          <p:spTgt spid="3">
+                                            <p:txEl>
+                                              <p:pRg st="2" end="2"/>
+                                            </p:txEl>
+                                          </p:spTgt>
+                                        </p:tgtEl>
+                                        <p:attrNameLst>
+                                          <p:attrName>style.visibility</p:attrName>
+                                        </p:attrNameLst>
+                                      </p:cBhvr>
+                                      <p:to>
+                                        <p:strVal val="visible"/>
+                                      </p:to>
+                                    </p:set>
+                                    <p:animEffect transition="in" filter="dissolve">
+                                      <p:cBhvr>
+                                        <p:cTn id="15" dur="500"/>
+                                        <p:tgtEl>
+                                          <p:spTgt spid="3">
+                                            <p:txEl>
+                                              <p:pRg st="2" end="2"/>
+                                            </p:txEl>
+                                          </p:spTgt>
+                                        </p:tgtEl>
+                                      </p:cBhvr>
+                                    </p:animEffect>
+                                  </p:childTnLst>
+                                </p:cTn>
+                              </p:par>
+                            </p:childTnLst>
+                          </p:cTn>
+                        </p:par>
+                      </p:childTnLst>
+                    </p:cTn>
+                  </p:par>
+                  <p:par>
+                    <p:cTn id="16" fill="hold">
+                      <p:stCondLst>
+                        <p:cond delay="indefinite"/>
+                      </p:stCondLst>
+                      <p:childTnLst>
+                        <p:par>
+                          <p:cTn id="17" fill="hold">
+                            <p:stCondLst>
+                              <p:cond delay="0"/>
+                            </p:stCondLst>
+                            <p:childTnLst>
+                              <p:par>
+                                <p:cTn id="18" presetID="9" presetClass="entr" presetSubtype="0" fill="hold" grpId="0" nodeType="clickEffect">
+                                  <p:stCondLst>
+                                    <p:cond delay="0"/>
+                                  </p:stCondLst>
+                                  <p:childTnLst>
+                                    <p:set>
+                                      <p:cBhvr>
+                                        <p:cTn id="19" dur="1" fill="hold">
+                                          <p:stCondLst>
+                                            <p:cond delay="0"/>
+                                          </p:stCondLst>
+                                        </p:cTn>
+                                        <p:tgtEl>
+                                          <p:spTgt spid="3">
+                                            <p:txEl>
+                                              <p:pRg st="3" end="3"/>
+                                            </p:txEl>
+                                          </p:spTgt>
+                                        </p:tgtEl>
+                                        <p:attrNameLst>
+                                          <p:attrName>style.visibility</p:attrName>
+                                        </p:attrNameLst>
+                                      </p:cBhvr>
+                                      <p:to>
+                                        <p:strVal val="visible"/>
+                                      </p:to>
+                                    </p:set>
+                                    <p:animEffect transition="in" filter="dissolve">
+                                      <p:cBhvr>
+                                        <p:cTn id="20" dur="500"/>
+                                        <p:tgtEl>
+                                          <p:spTgt spid="3">
+                                            <p:txEl>
+                                              <p:pRg st="3" end="3"/>
+                                            </p:txEl>
+                                          </p:spTgt>
+                                        </p:tgtEl>
+                                      </p:cBhvr>
+                                    </p:animEffect>
+                                  </p:childTnLst>
+                                </p:cTn>
+                              </p:par>
+                            </p:childTnLst>
+                          </p:cTn>
+                        </p:par>
+                      </p:childTnLst>
+                    </p:cTn>
+                  </p:par>
+                </p:childTnLst>
+              </p:cTn>
+              <p:prevCondLst>
+                <p:cond evt="onPrev" delay="0">
+                  <p:tgtEl>
+                    <p:sldTgt/>
+                  </p:tgtEl>
+                </p:cond>
+              </p:prevCondLst>
+              <p:nextCondLst>
+                <p:cond evt="onNext" delay="0">
+                  <p:tgtEl>
+                    <p:sldTgt/>
+                  </p:tgtEl>
+                </p:cond>
+              </p:nextCondLst>
+            </p:seq>
+          </p:childTnLst>
+        </p:cTn>
+      </p:par>
+    </p:tnLst>
+    <p:bldLst>
+      <p:bldP spid="3" grpId="0" build="p"/>
+    </p:bldLst>
+  </p:timing>
+</p:sld>
+</file>
+
+<file path=ppt/slides/slide32.xml><?xml version="1.0" encoding="utf-8"?>
 <p:sld xmlns:a="http://schemas.openxmlformats.org/drawingml/2006/main" xmlns:r="http://schemas.openxmlformats.org/officeDocument/2006/relationships" xmlns:p="http://schemas.openxmlformats.org/presentationml/2006/main" show="0">
   <p:cSld>
     <p:spTree>
@@ -27878,7 +28854,7 @@
             <a:fld id="{3251DA95-B240-47FE-901D-B78FC8E8E532}" type="slidenum">
               <a:rPr lang="en-US" smtClean="0"/>
               <a:pPr/>
-              <a:t>30</a:t>
+              <a:t>32</a:t>
             </a:fld>
             <a:endParaRPr lang="en-US" dirty="0"/>
           </a:p>
@@ -27889,9 +28865,18 @@
   <p:clrMapOvr>
     <a:masterClrMapping/>
   </p:clrMapOvr>
-  <p:transition xmlns:p14="http://schemas.microsoft.com/office/powerpoint/2010/main">
-    <p:fade/>
-  </p:transition>
+  <mc:AlternateContent xmlns:mc="http://schemas.openxmlformats.org/markup-compatibility/2006">
+    <mc:Choice xmlns:p14="http://schemas.microsoft.com/office/powerpoint/2010/main" Requires="p14">
+      <p:transition spd="slow" p14:dur="59000">
+        <p:fade/>
+      </p:transition>
+    </mc:Choice>
+    <mc:Fallback>
+      <p:transition xmlns:p14="http://schemas.microsoft.com/office/powerpoint/2010/main" spd="slow">
+        <p:fade/>
+      </p:transition>
+    </mc:Fallback>
+  </mc:AlternateContent>
   <p:timing>
     <p:tnLst>
       <p:par>
@@ -28182,8 +29167,8 @@
 </p:sld>
 </file>
 
-<file path=ppt/slides/slide31.xml><?xml version="1.0" encoding="utf-8"?>
-<p:sld xmlns:a="http://schemas.openxmlformats.org/drawingml/2006/main" xmlns:r="http://schemas.openxmlformats.org/officeDocument/2006/relationships" xmlns:p="http://schemas.openxmlformats.org/presentationml/2006/main">
+<file path=ppt/slides/slide33.xml><?xml version="1.0" encoding="utf-8"?>
+<p:sld xmlns:a="http://schemas.openxmlformats.org/drawingml/2006/main" xmlns:r="http://schemas.openxmlformats.org/officeDocument/2006/relationships" xmlns:p="http://schemas.openxmlformats.org/presentationml/2006/main" show="0">
   <p:cSld>
     <p:spTree>
       <p:nvGrpSpPr>
@@ -28338,7 +29323,7 @@
             <a:fld id="{3251DA95-B240-47FE-901D-B78FC8E8E532}" type="slidenum">
               <a:rPr lang="en-US" smtClean="0"/>
               <a:pPr/>
-              <a:t>31</a:t>
+              <a:t>33</a:t>
             </a:fld>
             <a:endParaRPr lang="en-US" dirty="0"/>
           </a:p>
@@ -28366,7 +29351,7 @@
           <a:graphicData uri="http://schemas.openxmlformats.org/presentationml/2006/ole">
             <mc:AlternateContent xmlns:mc="http://schemas.openxmlformats.org/markup-compatibility/2006">
               <mc:Choice xmlns:v="urn:schemas-microsoft-com:vml" Requires="v">
-                <p:oleObj spid="_x0000_s406586" name="Equation" r:id="rId3" imgW="850900" imgH="241300" progId="Equation.DSMT4">
+                <p:oleObj spid="_x0000_s406600" name="Equation" r:id="rId3" imgW="850900" imgH="241300" progId="Equation.DSMT4">
                   <p:embed/>
                 </p:oleObj>
               </mc:Choice>
@@ -28423,7 +29408,7 @@
           <a:graphicData uri="http://schemas.openxmlformats.org/presentationml/2006/ole">
             <mc:AlternateContent xmlns:mc="http://schemas.openxmlformats.org/markup-compatibility/2006">
               <mc:Choice xmlns:v="urn:schemas-microsoft-com:vml" Requires="v">
-                <p:oleObj spid="_x0000_s406587" name="Equation" r:id="rId5" imgW="139700" imgH="215900" progId="Equation.DSMT4">
+                <p:oleObj spid="_x0000_s406601" name="Equation" r:id="rId5" imgW="139700" imgH="215900" progId="Equation.DSMT4">
                   <p:embed/>
                 </p:oleObj>
               </mc:Choice>
@@ -28480,7 +29465,7 @@
           <a:graphicData uri="http://schemas.openxmlformats.org/presentationml/2006/ole">
             <mc:AlternateContent xmlns:mc="http://schemas.openxmlformats.org/markup-compatibility/2006">
               <mc:Choice xmlns:v="urn:schemas-microsoft-com:vml" Requires="v">
-                <p:oleObj spid="_x0000_s406588" name="Equation" r:id="rId7" imgW="901700" imgH="241300" progId="Equation.DSMT4">
+                <p:oleObj spid="_x0000_s406602" name="Equation" r:id="rId7" imgW="901700" imgH="241300" progId="Equation.DSMT4">
                   <p:embed/>
                 </p:oleObj>
               </mc:Choice>
@@ -28578,7 +29563,7 @@
           <a:graphicData uri="http://schemas.openxmlformats.org/presentationml/2006/ole">
             <mc:AlternateContent xmlns:mc="http://schemas.openxmlformats.org/markup-compatibility/2006">
               <mc:Choice xmlns:v="urn:schemas-microsoft-com:vml" Requires="v">
-                <p:oleObj spid="_x0000_s406589" name="Equation" r:id="rId9" imgW="2209800" imgH="215900" progId="Equation.DSMT4">
+                <p:oleObj spid="_x0000_s406603" name="Equation" r:id="rId9" imgW="2209800" imgH="215900" progId="Equation.DSMT4">
                   <p:embed/>
                 </p:oleObj>
               </mc:Choice>
@@ -28623,9 +29608,18 @@
   <p:clrMapOvr>
     <a:masterClrMapping/>
   </p:clrMapOvr>
-  <p:transition xmlns:p14="http://schemas.microsoft.com/office/powerpoint/2010/main">
-    <p:fade/>
-  </p:transition>
+  <mc:AlternateContent xmlns:mc="http://schemas.openxmlformats.org/markup-compatibility/2006">
+    <mc:Choice xmlns:p14="http://schemas.microsoft.com/office/powerpoint/2010/main" Requires="p14">
+      <p:transition spd="slow" p14:dur="59000">
+        <p:fade/>
+      </p:transition>
+    </mc:Choice>
+    <mc:Fallback>
+      <p:transition xmlns:p14="http://schemas.microsoft.com/office/powerpoint/2010/main" spd="slow">
+        <p:fade/>
+      </p:transition>
+    </mc:Fallback>
+  </mc:AlternateContent>
   <p:timing>
     <p:tnLst>
       <p:par>
@@ -28984,8 +29978,8 @@
 </p:sld>
 </file>
 
-<file path=ppt/slides/slide32.xml><?xml version="1.0" encoding="utf-8"?>
-<p:sld xmlns:a="http://schemas.openxmlformats.org/drawingml/2006/main" xmlns:r="http://schemas.openxmlformats.org/officeDocument/2006/relationships" xmlns:p="http://schemas.openxmlformats.org/presentationml/2006/main">
+<file path=ppt/slides/slide34.xml><?xml version="1.0" encoding="utf-8"?>
+<p:sld xmlns:a="http://schemas.openxmlformats.org/drawingml/2006/main" xmlns:r="http://schemas.openxmlformats.org/officeDocument/2006/relationships" xmlns:p="http://schemas.openxmlformats.org/presentationml/2006/main" show="0">
   <p:cSld>
     <p:spTree>
       <p:nvGrpSpPr>
@@ -29017,829 +30011,6 @@
           <a:lstStyle/>
           <a:p>
             <a:r>
-              <a:rPr lang="en-US" dirty="0" smtClean="0">
-                <a:solidFill>
-                  <a:srgbClr val="BB0FAB"/>
-                </a:solidFill>
-              </a:rPr>
-              <a:t>modus ponens</a:t>
-            </a:r>
-            <a:r>
-              <a:rPr lang="en-US" dirty="0" smtClean="0"/>
-              <a:t> rule</a:t>
-            </a:r>
-            <a:endParaRPr lang="en-US" dirty="0"/>
-          </a:p>
-        </p:txBody>
-      </p:sp>
-      <p:sp>
-        <p:nvSpPr>
-          <p:cNvPr id="4" name="Slide Number Placeholder 3"/>
-          <p:cNvSpPr>
-            <a:spLocks noGrp="1"/>
-          </p:cNvSpPr>
-          <p:nvPr>
-            <p:ph type="sldNum" sz="quarter" idx="10"/>
-          </p:nvPr>
-        </p:nvSpPr>
-        <p:spPr/>
-        <p:txBody>
-          <a:bodyPr/>
-          <a:lstStyle/>
-          <a:p>
-            <a:pPr>
-              <a:defRPr/>
-            </a:pPr>
-            <a:r>
-              <a:rPr lang="en-US" smtClean="0"/>
-              <a:t>propositional logic I..</a:t>
-            </a:r>
-            <a:fld id="{A528ADE2-B74F-4D9D-8D04-FB5D781EAB51}" type="slidenum">
-              <a:rPr lang="en-US" smtClean="0"/>
-              <a:pPr>
-                <a:defRPr/>
-              </a:pPr>
-              <a:t>32</a:t>
-            </a:fld>
-            <a:endParaRPr lang="en-US" dirty="0"/>
-          </a:p>
-        </p:txBody>
-      </p:sp>
-      <p:graphicFrame>
-        <p:nvGraphicFramePr>
-          <p:cNvPr id="5" name="Object 4"/>
-          <p:cNvGraphicFramePr>
-            <a:graphicFrameLocks noChangeAspect="1"/>
-          </p:cNvGraphicFramePr>
-          <p:nvPr>
-            <p:extLst>
-              <p:ext uri="{D42A27DB-BD31-4B8C-83A1-F6EECF244321}">
-                <p14:modId xmlns:p14="http://schemas.microsoft.com/office/powerpoint/2010/main" val="4009171247"/>
-              </p:ext>
-            </p:extLst>
-          </p:nvPr>
-        </p:nvGraphicFramePr>
-        <p:xfrm>
-          <a:off x="1476294" y="2233074"/>
-          <a:ext cx="5794456" cy="2429933"/>
-        </p:xfrm>
-        <a:graphic>
-          <a:graphicData uri="http://schemas.openxmlformats.org/presentationml/2006/ole">
-            <mc:AlternateContent xmlns:mc="http://schemas.openxmlformats.org/markup-compatibility/2006">
-              <mc:Choice xmlns:v="urn:schemas-microsoft-com:vml" Requires="v">
-                <p:oleObj spid="_x0000_s1041" name="Equation" r:id="rId3" imgW="1181100" imgH="495300" progId="Equation.DSMT4">
-                  <p:embed/>
-                </p:oleObj>
-              </mc:Choice>
-              <mc:Fallback>
-                <p:oleObj name="Equation" r:id="rId3" imgW="1181100" imgH="495300" progId="Equation.DSMT4">
-                  <p:embed/>
-                  <p:pic>
-                    <p:nvPicPr>
-                      <p:cNvPr id="0" name=""/>
-                      <p:cNvPicPr/>
-                      <p:nvPr/>
-                    </p:nvPicPr>
-                    <p:blipFill>
-                      <a:blip r:embed="rId4"/>
-                      <a:stretch>
-                        <a:fillRect/>
-                      </a:stretch>
-                    </p:blipFill>
-                    <p:spPr>
-                      <a:xfrm>
-                        <a:off x="1476294" y="2233074"/>
-                        <a:ext cx="5794456" cy="2429933"/>
-                      </a:xfrm>
-                      <a:prstGeom prst="rect">
-                        <a:avLst/>
-                      </a:prstGeom>
-                    </p:spPr>
-                  </p:pic>
-                </p:oleObj>
-              </mc:Fallback>
-            </mc:AlternateContent>
-          </a:graphicData>
-        </a:graphic>
-      </p:graphicFrame>
-      <p:graphicFrame>
-        <p:nvGraphicFramePr>
-          <p:cNvPr id="6" name="Object 5"/>
-          <p:cNvGraphicFramePr>
-            <a:graphicFrameLocks noChangeAspect="1"/>
-          </p:cNvGraphicFramePr>
-          <p:nvPr>
-            <p:extLst>
-              <p:ext uri="{D42A27DB-BD31-4B8C-83A1-F6EECF244321}">
-                <p14:modId xmlns:p14="http://schemas.microsoft.com/office/powerpoint/2010/main" val="3768623414"/>
-              </p:ext>
-            </p:extLst>
-          </p:nvPr>
-        </p:nvGraphicFramePr>
-        <p:xfrm>
-          <a:off x="1505999" y="896409"/>
-          <a:ext cx="5658909" cy="3396925"/>
-        </p:xfrm>
-        <a:graphic>
-          <a:graphicData uri="http://schemas.openxmlformats.org/presentationml/2006/ole">
-            <mc:AlternateContent xmlns:mc="http://schemas.openxmlformats.org/markup-compatibility/2006">
-              <mc:Choice xmlns:v="urn:schemas-microsoft-com:vml" Requires="v">
-                <p:oleObj spid="_x0000_s1042" name="Equation" r:id="rId5" imgW="762000" imgH="457200" progId="Equation.DSMT4">
-                  <p:embed/>
-                </p:oleObj>
-              </mc:Choice>
-              <mc:Fallback>
-                <p:oleObj name="Equation" r:id="rId5" imgW="762000" imgH="457200" progId="Equation.DSMT4">
-                  <p:embed/>
-                  <p:pic>
-                    <p:nvPicPr>
-                      <p:cNvPr id="0" name=""/>
-                      <p:cNvPicPr/>
-                      <p:nvPr/>
-                    </p:nvPicPr>
-                    <p:blipFill>
-                      <a:blip r:embed="rId6"/>
-                      <a:stretch>
-                        <a:fillRect/>
-                      </a:stretch>
-                    </p:blipFill>
-                    <p:spPr>
-                      <a:xfrm>
-                        <a:off x="1505999" y="896409"/>
-                        <a:ext cx="5658909" cy="3396925"/>
-                      </a:xfrm>
-                      <a:prstGeom prst="rect">
-                        <a:avLst/>
-                      </a:prstGeom>
-                    </p:spPr>
-                  </p:pic>
-                </p:oleObj>
-              </mc:Fallback>
-            </mc:AlternateContent>
-          </a:graphicData>
-        </a:graphic>
-      </p:graphicFrame>
-      <p:graphicFrame>
-        <p:nvGraphicFramePr>
-          <p:cNvPr id="7" name="Object 6"/>
-          <p:cNvGraphicFramePr>
-            <a:graphicFrameLocks noChangeAspect="1"/>
-          </p:cNvGraphicFramePr>
-          <p:nvPr>
-            <p:extLst>
-              <p:ext uri="{D42A27DB-BD31-4B8C-83A1-F6EECF244321}">
-                <p14:modId xmlns:p14="http://schemas.microsoft.com/office/powerpoint/2010/main" val="137192701"/>
-              </p:ext>
-            </p:extLst>
-          </p:nvPr>
-        </p:nvGraphicFramePr>
-        <p:xfrm>
-          <a:off x="3384550" y="3429000"/>
-          <a:ext cx="2033588" cy="1976438"/>
-        </p:xfrm>
-        <a:graphic>
-          <a:graphicData uri="http://schemas.openxmlformats.org/presentationml/2006/ole">
-            <mc:AlternateContent xmlns:mc="http://schemas.openxmlformats.org/markup-compatibility/2006">
-              <mc:Choice xmlns:v="urn:schemas-microsoft-com:vml" Requires="v">
-                <p:oleObj spid="_x0000_s1043" name="Equation" r:id="rId7" imgW="444500" imgH="431800" progId="Equation.DSMT4">
-                  <p:embed/>
-                </p:oleObj>
-              </mc:Choice>
-              <mc:Fallback>
-                <p:oleObj name="Equation" r:id="rId7" imgW="444500" imgH="431800" progId="Equation.DSMT4">
-                  <p:embed/>
-                  <p:pic>
-                    <p:nvPicPr>
-                      <p:cNvPr id="0" name=""/>
-                      <p:cNvPicPr/>
-                      <p:nvPr/>
-                    </p:nvPicPr>
-                    <p:blipFill>
-                      <a:blip r:embed="rId8"/>
-                      <a:stretch>
-                        <a:fillRect/>
-                      </a:stretch>
-                    </p:blipFill>
-                    <p:spPr>
-                      <a:xfrm>
-                        <a:off x="3384550" y="3429000"/>
-                        <a:ext cx="2033588" cy="1976438"/>
-                      </a:xfrm>
-                      <a:prstGeom prst="rect">
-                        <a:avLst/>
-                      </a:prstGeom>
-                    </p:spPr>
-                  </p:pic>
-                </p:oleObj>
-              </mc:Fallback>
-            </mc:AlternateContent>
-          </a:graphicData>
-        </a:graphic>
-      </p:graphicFrame>
-    </p:spTree>
-    <p:extLst>
-      <p:ext uri="{BB962C8B-B14F-4D97-AF65-F5344CB8AC3E}">
-        <p14:creationId xmlns:p14="http://schemas.microsoft.com/office/powerpoint/2010/main" val="3165137657"/>
-      </p:ext>
-    </p:extLst>
-  </p:cSld>
-  <p:clrMapOvr>
-    <a:masterClrMapping/>
-  </p:clrMapOvr>
-  <mc:AlternateContent xmlns:mc="http://schemas.openxmlformats.org/markup-compatibility/2006" xmlns:p14="http://schemas.microsoft.com/office/powerpoint/2010/main">
-    <mc:Choice Requires="p14">
-      <p:transition spd="slow" p14:dur="900">
-        <p:fade/>
-      </p:transition>
-    </mc:Choice>
-    <mc:Fallback xmlns="">
-      <p:transition xmlns:p14="http://schemas.microsoft.com/office/powerpoint/2010/main" spd="slow">
-        <p:fade/>
-      </p:transition>
-    </mc:Fallback>
-  </mc:AlternateContent>
-  <p:timing>
-    <p:tnLst>
-      <p:par>
-        <p:cTn xmlns:p14="http://schemas.microsoft.com/office/powerpoint/2010/main" id="1" dur="indefinite" restart="never" nodeType="tmRoot">
-          <p:childTnLst>
-            <p:seq concurrent="1" nextAc="seek">
-              <p:cTn id="2" dur="indefinite" nodeType="mainSeq">
-                <p:childTnLst>
-                  <p:par>
-                    <p:cTn id="3" fill="hold">
-                      <p:stCondLst>
-                        <p:cond delay="indefinite"/>
-                      </p:stCondLst>
-                      <p:childTnLst>
-                        <p:par>
-                          <p:cTn id="4" fill="hold">
-                            <p:stCondLst>
-                              <p:cond delay="0"/>
-                            </p:stCondLst>
-                            <p:childTnLst>
-                              <p:par>
-                                <p:cTn id="5" presetID="22" presetClass="entr" presetSubtype="1" fill="hold" nodeType="clickEffect">
-                                  <p:stCondLst>
-                                    <p:cond delay="0"/>
-                                  </p:stCondLst>
-                                  <p:childTnLst>
-                                    <p:set>
-                                      <p:cBhvr>
-                                        <p:cTn id="6" dur="1" fill="hold">
-                                          <p:stCondLst>
-                                            <p:cond delay="0"/>
-                                          </p:stCondLst>
-                                        </p:cTn>
-                                        <p:tgtEl>
-                                          <p:spTgt spid="6"/>
-                                        </p:tgtEl>
-                                        <p:attrNameLst>
-                                          <p:attrName>style.visibility</p:attrName>
-                                        </p:attrNameLst>
-                                      </p:cBhvr>
-                                      <p:to>
-                                        <p:strVal val="visible"/>
-                                      </p:to>
-                                    </p:set>
-                                    <p:animEffect transition="in" filter="wipe(up)">
-                                      <p:cBhvr>
-                                        <p:cTn id="7" dur="1000"/>
-                                        <p:tgtEl>
-                                          <p:spTgt spid="6"/>
-                                        </p:tgtEl>
-                                      </p:cBhvr>
-                                    </p:animEffect>
-                                  </p:childTnLst>
-                                </p:cTn>
-                              </p:par>
-                            </p:childTnLst>
-                          </p:cTn>
-                        </p:par>
-                      </p:childTnLst>
-                    </p:cTn>
-                  </p:par>
-                  <p:par>
-                    <p:cTn id="8" fill="hold">
-                      <p:stCondLst>
-                        <p:cond delay="indefinite"/>
-                      </p:stCondLst>
-                      <p:childTnLst>
-                        <p:par>
-                          <p:cTn id="9" fill="hold">
-                            <p:stCondLst>
-                              <p:cond delay="0"/>
-                            </p:stCondLst>
-                            <p:childTnLst>
-                              <p:par>
-                                <p:cTn id="10" presetID="22" presetClass="entr" presetSubtype="4" fill="hold" nodeType="clickEffect">
-                                  <p:stCondLst>
-                                    <p:cond delay="0"/>
-                                  </p:stCondLst>
-                                  <p:childTnLst>
-                                    <p:set>
-                                      <p:cBhvr>
-                                        <p:cTn id="11" dur="1" fill="hold">
-                                          <p:stCondLst>
-                                            <p:cond delay="0"/>
-                                          </p:stCondLst>
-                                        </p:cTn>
-                                        <p:tgtEl>
-                                          <p:spTgt spid="7"/>
-                                        </p:tgtEl>
-                                        <p:attrNameLst>
-                                          <p:attrName>style.visibility</p:attrName>
-                                        </p:attrNameLst>
-                                      </p:cBhvr>
-                                      <p:to>
-                                        <p:strVal val="visible"/>
-                                      </p:to>
-                                    </p:set>
-                                    <p:animEffect transition="in" filter="wipe(down)">
-                                      <p:cBhvr>
-                                        <p:cTn id="12" dur="500"/>
-                                        <p:tgtEl>
-                                          <p:spTgt spid="7"/>
-                                        </p:tgtEl>
-                                      </p:cBhvr>
-                                    </p:animEffect>
-                                  </p:childTnLst>
-                                </p:cTn>
-                              </p:par>
-                            </p:childTnLst>
-                          </p:cTn>
-                        </p:par>
-                      </p:childTnLst>
-                    </p:cTn>
-                  </p:par>
-                </p:childTnLst>
-              </p:cTn>
-              <p:prevCondLst>
-                <p:cond evt="onPrev" delay="0">
-                  <p:tgtEl>
-                    <p:sldTgt/>
-                  </p:tgtEl>
-                </p:cond>
-              </p:prevCondLst>
-              <p:nextCondLst>
-                <p:cond evt="onNext" delay="0">
-                  <p:tgtEl>
-                    <p:sldTgt/>
-                  </p:tgtEl>
-                </p:cond>
-              </p:nextCondLst>
-            </p:seq>
-          </p:childTnLst>
-        </p:cTn>
-      </p:par>
-    </p:tnLst>
-  </p:timing>
-</p:sld>
-</file>
-
-<file path=ppt/slides/slide33.xml><?xml version="1.0" encoding="utf-8"?>
-<p:sld xmlns:a="http://schemas.openxmlformats.org/drawingml/2006/main" xmlns:r="http://schemas.openxmlformats.org/officeDocument/2006/relationships" xmlns:p="http://schemas.openxmlformats.org/presentationml/2006/main">
-  <p:cSld>
-    <p:spTree>
-      <p:nvGrpSpPr>
-        <p:cNvPr id="1" name=""/>
-        <p:cNvGrpSpPr/>
-        <p:nvPr/>
-      </p:nvGrpSpPr>
-      <p:grpSpPr>
-        <a:xfrm>
-          <a:off x="0" y="0"/>
-          <a:ext cx="0" cy="0"/>
-          <a:chOff x="0" y="0"/>
-          <a:chExt cx="0" cy="0"/>
-        </a:xfrm>
-      </p:grpSpPr>
-      <p:sp>
-        <p:nvSpPr>
-          <p:cNvPr id="2" name="Title 1"/>
-          <p:cNvSpPr>
-            <a:spLocks noGrp="1"/>
-          </p:cNvSpPr>
-          <p:nvPr>
-            <p:ph type="title"/>
-          </p:nvPr>
-        </p:nvSpPr>
-        <p:spPr/>
-        <p:txBody>
-          <a:bodyPr/>
-          <a:lstStyle/>
-          <a:p>
-            <a:r>
-              <a:rPr lang="en-US" dirty="0" smtClean="0"/>
-              <a:t>Soundness</a:t>
-            </a:r>
-            <a:endParaRPr lang="en-US" dirty="0"/>
-          </a:p>
-        </p:txBody>
-      </p:sp>
-      <p:sp>
-        <p:nvSpPr>
-          <p:cNvPr id="3" name="Content Placeholder 2"/>
-          <p:cNvSpPr>
-            <a:spLocks noGrp="1"/>
-          </p:cNvSpPr>
-          <p:nvPr>
-            <p:ph idx="1"/>
-          </p:nvPr>
-        </p:nvSpPr>
-        <p:spPr>
-          <a:xfrm>
-            <a:off x="275167" y="1371600"/>
-            <a:ext cx="8710083" cy="4142318"/>
-          </a:xfrm>
-        </p:spPr>
-        <p:txBody>
-          <a:bodyPr/>
-          <a:lstStyle/>
-          <a:p>
-            <a:r>
-              <a:rPr lang="en-US" sz="4800" dirty="0" smtClean="0"/>
-              <a:t>A </a:t>
-            </a:r>
-            <a:r>
-              <a:rPr lang="en-US" sz="4800" dirty="0" smtClean="0">
-                <a:solidFill>
-                  <a:srgbClr val="006600"/>
-                </a:solidFill>
-              </a:rPr>
-              <a:t>sound</a:t>
-            </a:r>
-            <a:r>
-              <a:rPr lang="en-US" sz="4800" dirty="0" smtClean="0"/>
-              <a:t> rule preserves truth:</a:t>
-            </a:r>
-          </a:p>
-          <a:p>
-            <a:r>
-              <a:rPr lang="en-US" sz="5400" dirty="0"/>
-              <a:t>i</a:t>
-            </a:r>
-            <a:r>
-              <a:rPr lang="en-US" sz="5400" dirty="0" smtClean="0"/>
-              <a:t>f all the antecedents are </a:t>
-            </a:r>
-          </a:p>
-          <a:p>
-            <a:r>
-              <a:rPr lang="en-US" sz="5400" dirty="0" smtClean="0"/>
-              <a:t>true is some environment, </a:t>
-            </a:r>
-          </a:p>
-          <a:p>
-            <a:r>
-              <a:rPr lang="en-US" sz="5400" dirty="0" smtClean="0"/>
-              <a:t>then so is the conclusion.</a:t>
-            </a:r>
-            <a:endParaRPr lang="en-US" sz="5400" dirty="0"/>
-          </a:p>
-        </p:txBody>
-      </p:sp>
-      <p:sp>
-        <p:nvSpPr>
-          <p:cNvPr id="4" name="Slide Number Placeholder 3"/>
-          <p:cNvSpPr>
-            <a:spLocks noGrp="1"/>
-          </p:cNvSpPr>
-          <p:nvPr>
-            <p:ph type="sldNum" sz="quarter" idx="10"/>
-          </p:nvPr>
-        </p:nvSpPr>
-        <p:spPr/>
-        <p:txBody>
-          <a:bodyPr/>
-          <a:lstStyle/>
-          <a:p>
-            <a:pPr>
-              <a:defRPr/>
-            </a:pPr>
-            <a:r>
-              <a:rPr lang="en-US" smtClean="0"/>
-              <a:t>propositional logic I..</a:t>
-            </a:r>
-            <a:fld id="{A528ADE2-B74F-4D9D-8D04-FB5D781EAB51}" type="slidenum">
-              <a:rPr lang="en-US" smtClean="0"/>
-              <a:pPr>
-                <a:defRPr/>
-              </a:pPr>
-              <a:t>33</a:t>
-            </a:fld>
-            <a:endParaRPr lang="en-US" dirty="0"/>
-          </a:p>
-        </p:txBody>
-      </p:sp>
-    </p:spTree>
-    <p:extLst>
-      <p:ext uri="{BB962C8B-B14F-4D97-AF65-F5344CB8AC3E}">
-        <p14:creationId xmlns:p14="http://schemas.microsoft.com/office/powerpoint/2010/main" val="4016570365"/>
-      </p:ext>
-    </p:extLst>
-  </p:cSld>
-  <p:clrMapOvr>
-    <a:masterClrMapping/>
-  </p:clrMapOvr>
-  <p:transition xmlns:p14="http://schemas.microsoft.com/office/powerpoint/2010/main">
-    <p:fade/>
-  </p:transition>
-  <p:timing>
-    <p:tnLst>
-      <p:par>
-        <p:cTn xmlns:p14="http://schemas.microsoft.com/office/powerpoint/2010/main" id="1" dur="indefinite" restart="never" nodeType="tmRoot">
-          <p:childTnLst>
-            <p:seq concurrent="1" nextAc="seek">
-              <p:cTn id="2" dur="indefinite" nodeType="mainSeq">
-                <p:childTnLst>
-                  <p:par>
-                    <p:cTn id="3" fill="hold">
-                      <p:stCondLst>
-                        <p:cond delay="indefinite"/>
-                      </p:stCondLst>
-                      <p:childTnLst>
-                        <p:par>
-                          <p:cTn id="4" fill="hold">
-                            <p:stCondLst>
-                              <p:cond delay="0"/>
-                            </p:stCondLst>
-                            <p:childTnLst>
-                              <p:par>
-                                <p:cTn id="5" presetID="9" presetClass="entr" presetSubtype="0" fill="hold" grpId="0" nodeType="clickEffect">
-                                  <p:stCondLst>
-                                    <p:cond delay="0"/>
-                                  </p:stCondLst>
-                                  <p:childTnLst>
-                                    <p:set>
-                                      <p:cBhvr>
-                                        <p:cTn id="6" dur="1" fill="hold">
-                                          <p:stCondLst>
-                                            <p:cond delay="0"/>
-                                          </p:stCondLst>
-                                        </p:cTn>
-                                        <p:tgtEl>
-                                          <p:spTgt spid="3">
-                                            <p:txEl>
-                                              <p:pRg st="0" end="0"/>
-                                            </p:txEl>
-                                          </p:spTgt>
-                                        </p:tgtEl>
-                                        <p:attrNameLst>
-                                          <p:attrName>style.visibility</p:attrName>
-                                        </p:attrNameLst>
-                                      </p:cBhvr>
-                                      <p:to>
-                                        <p:strVal val="visible"/>
-                                      </p:to>
-                                    </p:set>
-                                    <p:animEffect transition="in" filter="dissolve">
-                                      <p:cBhvr>
-                                        <p:cTn id="7" dur="500"/>
-                                        <p:tgtEl>
-                                          <p:spTgt spid="3">
-                                            <p:txEl>
-                                              <p:pRg st="0" end="0"/>
-                                            </p:txEl>
-                                          </p:spTgt>
-                                        </p:tgtEl>
-                                      </p:cBhvr>
-                                    </p:animEffect>
-                                  </p:childTnLst>
-                                </p:cTn>
-                              </p:par>
-                            </p:childTnLst>
-                          </p:cTn>
-                        </p:par>
-                      </p:childTnLst>
-                    </p:cTn>
-                  </p:par>
-                  <p:par>
-                    <p:cTn id="8" fill="hold">
-                      <p:stCondLst>
-                        <p:cond delay="indefinite"/>
-                      </p:stCondLst>
-                      <p:childTnLst>
-                        <p:par>
-                          <p:cTn id="9" fill="hold">
-                            <p:stCondLst>
-                              <p:cond delay="0"/>
-                            </p:stCondLst>
-                            <p:childTnLst>
-                              <p:par>
-                                <p:cTn id="10" presetID="9" presetClass="entr" presetSubtype="0" fill="hold" grpId="0" nodeType="clickEffect">
-                                  <p:stCondLst>
-                                    <p:cond delay="0"/>
-                                  </p:stCondLst>
-                                  <p:childTnLst>
-                                    <p:set>
-                                      <p:cBhvr>
-                                        <p:cTn id="11" dur="1" fill="hold">
-                                          <p:stCondLst>
-                                            <p:cond delay="0"/>
-                                          </p:stCondLst>
-                                        </p:cTn>
-                                        <p:tgtEl>
-                                          <p:spTgt spid="3">
-                                            <p:txEl>
-                                              <p:pRg st="1" end="1"/>
-                                            </p:txEl>
-                                          </p:spTgt>
-                                        </p:tgtEl>
-                                        <p:attrNameLst>
-                                          <p:attrName>style.visibility</p:attrName>
-                                        </p:attrNameLst>
-                                      </p:cBhvr>
-                                      <p:to>
-                                        <p:strVal val="visible"/>
-                                      </p:to>
-                                    </p:set>
-                                    <p:animEffect transition="in" filter="dissolve">
-                                      <p:cBhvr>
-                                        <p:cTn id="12" dur="500"/>
-                                        <p:tgtEl>
-                                          <p:spTgt spid="3">
-                                            <p:txEl>
-                                              <p:pRg st="1" end="1"/>
-                                            </p:txEl>
-                                          </p:spTgt>
-                                        </p:tgtEl>
-                                      </p:cBhvr>
-                                    </p:animEffect>
-                                  </p:childTnLst>
-                                </p:cTn>
-                              </p:par>
-                              <p:par>
-                                <p:cTn id="13" presetID="9" presetClass="entr" presetSubtype="0" fill="hold" grpId="0" nodeType="withEffect">
-                                  <p:stCondLst>
-                                    <p:cond delay="0"/>
-                                  </p:stCondLst>
-                                  <p:childTnLst>
-                                    <p:set>
-                                      <p:cBhvr>
-                                        <p:cTn id="14" dur="1" fill="hold">
-                                          <p:stCondLst>
-                                            <p:cond delay="0"/>
-                                          </p:stCondLst>
-                                        </p:cTn>
-                                        <p:tgtEl>
-                                          <p:spTgt spid="3">
-                                            <p:txEl>
-                                              <p:pRg st="2" end="2"/>
-                                            </p:txEl>
-                                          </p:spTgt>
-                                        </p:tgtEl>
-                                        <p:attrNameLst>
-                                          <p:attrName>style.visibility</p:attrName>
-                                        </p:attrNameLst>
-                                      </p:cBhvr>
-                                      <p:to>
-                                        <p:strVal val="visible"/>
-                                      </p:to>
-                                    </p:set>
-                                    <p:animEffect transition="in" filter="dissolve">
-                                      <p:cBhvr>
-                                        <p:cTn id="15" dur="500"/>
-                                        <p:tgtEl>
-                                          <p:spTgt spid="3">
-                                            <p:txEl>
-                                              <p:pRg st="2" end="2"/>
-                                            </p:txEl>
-                                          </p:spTgt>
-                                        </p:tgtEl>
-                                      </p:cBhvr>
-                                    </p:animEffect>
-                                  </p:childTnLst>
-                                </p:cTn>
-                              </p:par>
-                            </p:childTnLst>
-                          </p:cTn>
-                        </p:par>
-                      </p:childTnLst>
-                    </p:cTn>
-                  </p:par>
-                  <p:par>
-                    <p:cTn id="16" fill="hold">
-                      <p:stCondLst>
-                        <p:cond delay="indefinite"/>
-                      </p:stCondLst>
-                      <p:childTnLst>
-                        <p:par>
-                          <p:cTn id="17" fill="hold">
-                            <p:stCondLst>
-                              <p:cond delay="0"/>
-                            </p:stCondLst>
-                            <p:childTnLst>
-                              <p:par>
-                                <p:cTn id="18" presetID="9" presetClass="entr" presetSubtype="0" fill="hold" grpId="0" nodeType="clickEffect">
-                                  <p:stCondLst>
-                                    <p:cond delay="0"/>
-                                  </p:stCondLst>
-                                  <p:childTnLst>
-                                    <p:set>
-                                      <p:cBhvr>
-                                        <p:cTn id="19" dur="1" fill="hold">
-                                          <p:stCondLst>
-                                            <p:cond delay="0"/>
-                                          </p:stCondLst>
-                                        </p:cTn>
-                                        <p:tgtEl>
-                                          <p:spTgt spid="3">
-                                            <p:txEl>
-                                              <p:pRg st="3" end="3"/>
-                                            </p:txEl>
-                                          </p:spTgt>
-                                        </p:tgtEl>
-                                        <p:attrNameLst>
-                                          <p:attrName>style.visibility</p:attrName>
-                                        </p:attrNameLst>
-                                      </p:cBhvr>
-                                      <p:to>
-                                        <p:strVal val="visible"/>
-                                      </p:to>
-                                    </p:set>
-                                    <p:animEffect transition="in" filter="dissolve">
-                                      <p:cBhvr>
-                                        <p:cTn id="20" dur="500"/>
-                                        <p:tgtEl>
-                                          <p:spTgt spid="3">
-                                            <p:txEl>
-                                              <p:pRg st="3" end="3"/>
-                                            </p:txEl>
-                                          </p:spTgt>
-                                        </p:tgtEl>
-                                      </p:cBhvr>
-                                    </p:animEffect>
-                                  </p:childTnLst>
-                                </p:cTn>
-                              </p:par>
-                            </p:childTnLst>
-                          </p:cTn>
-                        </p:par>
-                      </p:childTnLst>
-                    </p:cTn>
-                  </p:par>
-                </p:childTnLst>
-              </p:cTn>
-              <p:prevCondLst>
-                <p:cond evt="onPrev" delay="0">
-                  <p:tgtEl>
-                    <p:sldTgt/>
-                  </p:tgtEl>
-                </p:cond>
-              </p:prevCondLst>
-              <p:nextCondLst>
-                <p:cond evt="onNext" delay="0">
-                  <p:tgtEl>
-                    <p:sldTgt/>
-                  </p:tgtEl>
-                </p:cond>
-              </p:nextCondLst>
-            </p:seq>
-          </p:childTnLst>
-        </p:cTn>
-      </p:par>
-    </p:tnLst>
-    <p:bldLst>
-      <p:bldP spid="3" grpId="0" build="p"/>
-    </p:bldLst>
-  </p:timing>
-</p:sld>
-</file>
-
-<file path=ppt/slides/slide34.xml><?xml version="1.0" encoding="utf-8"?>
-<p:sld xmlns:a="http://schemas.openxmlformats.org/drawingml/2006/main" xmlns:r="http://schemas.openxmlformats.org/officeDocument/2006/relationships" xmlns:p="http://schemas.openxmlformats.org/presentationml/2006/main">
-  <p:cSld>
-    <p:spTree>
-      <p:nvGrpSpPr>
-        <p:cNvPr id="1" name=""/>
-        <p:cNvGrpSpPr/>
-        <p:nvPr/>
-      </p:nvGrpSpPr>
-      <p:grpSpPr>
-        <a:xfrm>
-          <a:off x="0" y="0"/>
-          <a:ext cx="0" cy="0"/>
-          <a:chOff x="0" y="0"/>
-          <a:chExt cx="0" cy="0"/>
-        </a:xfrm>
-      </p:grpSpPr>
-      <p:sp>
-        <p:nvSpPr>
-          <p:cNvPr id="2" name="Title 1"/>
-          <p:cNvSpPr>
-            <a:spLocks noGrp="1"/>
-          </p:cNvSpPr>
-          <p:nvPr>
-            <p:ph type="title"/>
-          </p:nvPr>
-        </p:nvSpPr>
-        <p:spPr/>
-        <p:txBody>
-          <a:bodyPr/>
-          <a:lstStyle/>
-          <a:p>
-            <a:r>
               <a:rPr lang="en-US" dirty="0" smtClean="0"/>
               <a:t>Soundness</a:t>
             </a:r>
@@ -30042,9 +30213,18 @@
   <p:clrMapOvr>
     <a:masterClrMapping/>
   </p:clrMapOvr>
-  <p:transition xmlns:p14="http://schemas.microsoft.com/office/powerpoint/2010/main">
-    <p:fade/>
-  </p:transition>
+  <mc:AlternateContent xmlns:mc="http://schemas.openxmlformats.org/markup-compatibility/2006">
+    <mc:Choice xmlns:p14="http://schemas.microsoft.com/office/powerpoint/2010/main" Requires="p14">
+      <p:transition spd="slow" p14:dur="59000">
+        <p:fade/>
+      </p:transition>
+    </mc:Choice>
+    <mc:Fallback>
+      <p:transition xmlns:p14="http://schemas.microsoft.com/office/powerpoint/2010/main" spd="slow">
+        <p:fade/>
+      </p:transition>
+    </mc:Fallback>
+  </mc:AlternateContent>
   <p:timing>
     <p:tnLst>
       <p:par>
@@ -30387,7 +30567,7 @@
 </file>
 
 <file path=ppt/slides/slide35.xml><?xml version="1.0" encoding="utf-8"?>
-<p:sld xmlns:a="http://schemas.openxmlformats.org/drawingml/2006/main" xmlns:r="http://schemas.openxmlformats.org/officeDocument/2006/relationships" xmlns:p="http://schemas.openxmlformats.org/presentationml/2006/main">
+<p:sld xmlns:a="http://schemas.openxmlformats.org/drawingml/2006/main" xmlns:r="http://schemas.openxmlformats.org/officeDocument/2006/relationships" xmlns:p="http://schemas.openxmlformats.org/presentationml/2006/main" show="0">
   <p:cSld>
     <p:spTree>
       <p:nvGrpSpPr>
@@ -30532,9 +30712,18 @@
   <p:clrMapOvr>
     <a:masterClrMapping/>
   </p:clrMapOvr>
-  <p:transition xmlns:p14="http://schemas.microsoft.com/office/powerpoint/2010/main">
-    <p:fade/>
-  </p:transition>
+  <mc:AlternateContent xmlns:mc="http://schemas.openxmlformats.org/markup-compatibility/2006">
+    <mc:Choice xmlns:p14="http://schemas.microsoft.com/office/powerpoint/2010/main" Requires="p14">
+      <p:transition spd="slow" p14:dur="59000">
+        <p:fade/>
+      </p:transition>
+    </mc:Choice>
+    <mc:Fallback>
+      <p:transition xmlns:p14="http://schemas.microsoft.com/office/powerpoint/2010/main" spd="slow">
+        <p:fade/>
+      </p:transition>
+    </mc:Fallback>
+  </mc:AlternateContent>
   <p:timing>
     <p:tnLst>
       <p:par>
@@ -30673,7 +30862,7 @@
 </file>
 
 <file path=ppt/slides/slide36.xml><?xml version="1.0" encoding="utf-8"?>
-<p:sld xmlns:a="http://schemas.openxmlformats.org/drawingml/2006/main" xmlns:r="http://schemas.openxmlformats.org/officeDocument/2006/relationships" xmlns:p="http://schemas.openxmlformats.org/presentationml/2006/main">
+<p:sld xmlns:a="http://schemas.openxmlformats.org/drawingml/2006/main" xmlns:r="http://schemas.openxmlformats.org/officeDocument/2006/relationships" xmlns:p="http://schemas.openxmlformats.org/presentationml/2006/main" show="0">
   <p:cSld>
     <p:spTree>
       <p:nvGrpSpPr>
@@ -30821,7 +31010,7 @@
           <a:graphicData uri="http://schemas.openxmlformats.org/presentationml/2006/ole">
             <mc:AlternateContent xmlns:mc="http://schemas.openxmlformats.org/markup-compatibility/2006">
               <mc:Choice xmlns:v="urn:schemas-microsoft-com:vml" Requires="v">
-                <p:oleObj spid="_x0000_s409617" name="Equation" r:id="rId3" imgW="1854200" imgH="508000" progId="Equation.3">
+                <p:oleObj spid="_x0000_s409622" name="Equation" r:id="rId3" imgW="1854200" imgH="508000" progId="Equation.3">
                   <p:embed/>
                 </p:oleObj>
               </mc:Choice>
@@ -30922,14 +31111,14 @@
   <p:clrMapOvr>
     <a:masterClrMapping/>
   </p:clrMapOvr>
-  <mc:AlternateContent xmlns:mc="http://schemas.openxmlformats.org/markup-compatibility/2006" xmlns:p14="http://schemas.microsoft.com/office/powerpoint/2010/main">
-    <mc:Choice Requires="p14">
-      <p:transition spd="med" p14:dur="600">
+  <mc:AlternateContent xmlns:mc="http://schemas.openxmlformats.org/markup-compatibility/2006">
+    <mc:Choice xmlns:p14="http://schemas.microsoft.com/office/powerpoint/2010/main" Requires="p14">
+      <p:transition spd="slow" p14:dur="59000">
         <p:fade/>
       </p:transition>
     </mc:Choice>
-    <mc:Fallback xmlns="">
-      <p:transition xmlns:p14="http://schemas.microsoft.com/office/powerpoint/2010/main" spd="med">
+    <mc:Fallback>
+      <p:transition xmlns:p14="http://schemas.microsoft.com/office/powerpoint/2010/main" spd="slow">
         <p:fade/>
       </p:transition>
     </mc:Fallback>
@@ -31080,7 +31269,7 @@
 </file>
 
 <file path=ppt/slides/slide37.xml><?xml version="1.0" encoding="utf-8"?>
-<p:sld xmlns:a="http://schemas.openxmlformats.org/drawingml/2006/main" xmlns:r="http://schemas.openxmlformats.org/officeDocument/2006/relationships" xmlns:p="http://schemas.openxmlformats.org/presentationml/2006/main">
+<p:sld xmlns:a="http://schemas.openxmlformats.org/drawingml/2006/main" xmlns:r="http://schemas.openxmlformats.org/officeDocument/2006/relationships" xmlns:p="http://schemas.openxmlformats.org/presentationml/2006/main" show="0">
   <p:cSld>
     <p:spTree>
       <p:nvGrpSpPr>
@@ -31187,7 +31376,7 @@
           <a:graphicData uri="http://schemas.openxmlformats.org/presentationml/2006/ole">
             <mc:AlternateContent xmlns:mc="http://schemas.openxmlformats.org/markup-compatibility/2006">
               <mc:Choice xmlns:v="urn:schemas-microsoft-com:vml" Requires="v">
-                <p:oleObj spid="_x0000_s408601" name="Equation" r:id="rId3" imgW="1854200" imgH="533400" progId="Equation.DSMT4">
+                <p:oleObj spid="_x0000_s408609" name="Equation" r:id="rId3" imgW="1854200" imgH="533400" progId="Equation.DSMT4">
                   <p:embed/>
                 </p:oleObj>
               </mc:Choice>
@@ -31338,7 +31527,7 @@
           <a:graphicData uri="http://schemas.openxmlformats.org/presentationml/2006/ole">
             <mc:AlternateContent xmlns:mc="http://schemas.openxmlformats.org/markup-compatibility/2006">
               <mc:Choice xmlns:v="urn:schemas-microsoft-com:vml" Requires="v">
-                <p:oleObj spid="_x0000_s408602" name="Equation" r:id="rId5" imgW="546100" imgH="241300" progId="Equation.DSMT4">
+                <p:oleObj spid="_x0000_s408610" name="Equation" r:id="rId5" imgW="546100" imgH="241300" progId="Equation.DSMT4">
                   <p:embed/>
                 </p:oleObj>
               </mc:Choice>
@@ -31378,9 +31567,18 @@
   <p:clrMapOvr>
     <a:masterClrMapping/>
   </p:clrMapOvr>
-  <p:transition xmlns:p14="http://schemas.microsoft.com/office/powerpoint/2010/main" spd="slow">
-    <p:fade/>
-  </p:transition>
+  <mc:AlternateContent xmlns:mc="http://schemas.openxmlformats.org/markup-compatibility/2006">
+    <mc:Choice xmlns:p14="http://schemas.microsoft.com/office/powerpoint/2010/main" Requires="p14">
+      <p:transition spd="slow" p14:dur="59000">
+        <p:fade/>
+      </p:transition>
+    </mc:Choice>
+    <mc:Fallback>
+      <p:transition xmlns:p14="http://schemas.microsoft.com/office/powerpoint/2010/main" spd="slow">
+        <p:fade/>
+      </p:transition>
+    </mc:Fallback>
+  </mc:AlternateContent>
   <p:timing>
     <p:tnLst>
       <p:par>
@@ -31506,7 +31704,7 @@
 </file>
 
 <file path=ppt/slides/slide38.xml><?xml version="1.0" encoding="utf-8"?>
-<p:sld xmlns:a="http://schemas.openxmlformats.org/drawingml/2006/main" xmlns:r="http://schemas.openxmlformats.org/officeDocument/2006/relationships" xmlns:p="http://schemas.openxmlformats.org/presentationml/2006/main">
+<p:sld xmlns:a="http://schemas.openxmlformats.org/drawingml/2006/main" xmlns:r="http://schemas.openxmlformats.org/officeDocument/2006/relationships" xmlns:p="http://schemas.openxmlformats.org/presentationml/2006/main" show="0">
   <p:cSld>
     <p:spTree>
       <p:nvGrpSpPr>
@@ -31613,7 +31811,7 @@
           <a:graphicData uri="http://schemas.openxmlformats.org/presentationml/2006/ole">
             <mc:AlternateContent xmlns:mc="http://schemas.openxmlformats.org/markup-compatibility/2006">
               <mc:Choice xmlns:v="urn:schemas-microsoft-com:vml" Requires="v">
-                <p:oleObj spid="_x0000_s410640" name="Equation" r:id="rId3" imgW="1955800" imgH="533400" progId="Equation.DSMT4">
+                <p:oleObj spid="_x0000_s410645" name="Equation" r:id="rId3" imgW="1955800" imgH="533400" progId="Equation.DSMT4">
                   <p:embed/>
                 </p:oleObj>
               </mc:Choice>
@@ -31947,14 +32145,14 @@
   <p:clrMapOvr>
     <a:masterClrMapping/>
   </p:clrMapOvr>
-  <mc:AlternateContent xmlns:mc="http://schemas.openxmlformats.org/markup-compatibility/2006" xmlns:p14="http://schemas.microsoft.com/office/powerpoint/2010/main">
-    <mc:Choice Requires="p14">
-      <p:transition spd="med" p14:dur="600">
+  <mc:AlternateContent xmlns:mc="http://schemas.openxmlformats.org/markup-compatibility/2006">
+    <mc:Choice xmlns:p14="http://schemas.microsoft.com/office/powerpoint/2010/main" Requires="p14">
+      <p:transition spd="slow" p14:dur="59000">
         <p:fade/>
       </p:transition>
     </mc:Choice>
-    <mc:Fallback xmlns="">
-      <p:transition xmlns:p14="http://schemas.microsoft.com/office/powerpoint/2010/main" spd="med">
+    <mc:Fallback>
+      <p:transition xmlns:p14="http://schemas.microsoft.com/office/powerpoint/2010/main" spd="slow">
         <p:fade/>
       </p:transition>
     </mc:Fallback>
@@ -32046,7 +32244,7 @@
 </file>
 
 <file path=ppt/slides/slide39.xml><?xml version="1.0" encoding="utf-8"?>
-<p:sld xmlns:a="http://schemas.openxmlformats.org/drawingml/2006/main" xmlns:r="http://schemas.openxmlformats.org/officeDocument/2006/relationships" xmlns:p="http://schemas.openxmlformats.org/presentationml/2006/main">
+<p:sld xmlns:a="http://schemas.openxmlformats.org/drawingml/2006/main" xmlns:r="http://schemas.openxmlformats.org/officeDocument/2006/relationships" xmlns:p="http://schemas.openxmlformats.org/presentationml/2006/main" show="0">
   <p:cSld>
     <p:spTree>
       <p:nvGrpSpPr>
@@ -32153,7 +32351,7 @@
           <a:graphicData uri="http://schemas.openxmlformats.org/presentationml/2006/ole">
             <mc:AlternateContent xmlns:mc="http://schemas.openxmlformats.org/markup-compatibility/2006">
               <mc:Choice xmlns:v="urn:schemas-microsoft-com:vml" Requires="v">
-                <p:oleObj spid="_x0000_s411663" name="Equation" r:id="rId3" imgW="1955800" imgH="533400" progId="Equation.DSMT4">
+                <p:oleObj spid="_x0000_s411668" name="Equation" r:id="rId3" imgW="1955800" imgH="533400" progId="Equation.DSMT4">
                   <p:embed/>
                 </p:oleObj>
               </mc:Choice>
@@ -32345,14 +32543,14 @@
   <p:clrMapOvr>
     <a:masterClrMapping/>
   </p:clrMapOvr>
-  <mc:AlternateContent xmlns:mc="http://schemas.openxmlformats.org/markup-compatibility/2006" xmlns:p14="http://schemas.microsoft.com/office/powerpoint/2010/main">
-    <mc:Choice Requires="p14">
-      <p:transition spd="med" p14:dur="600">
+  <mc:AlternateContent xmlns:mc="http://schemas.openxmlformats.org/markup-compatibility/2006">
+    <mc:Choice xmlns:p14="http://schemas.microsoft.com/office/powerpoint/2010/main" Requires="p14">
+      <p:transition spd="slow" p14:dur="59000">
         <p:fade/>
       </p:transition>
     </mc:Choice>
-    <mc:Fallback xmlns="">
-      <p:transition xmlns:p14="http://schemas.microsoft.com/office/powerpoint/2010/main" spd="med">
+    <mc:Fallback>
+      <p:transition xmlns:p14="http://schemas.microsoft.com/office/powerpoint/2010/main" spd="slow">
         <p:fade/>
       </p:transition>
     </mc:Fallback>
@@ -32400,7 +32598,7 @@
           <a:graphicData uri="http://schemas.openxmlformats.org/presentationml/2006/ole">
             <mc:AlternateContent xmlns:mc="http://schemas.openxmlformats.org/markup-compatibility/2006">
               <mc:Choice xmlns:v="urn:schemas-microsoft-com:vml" Requires="v">
-                <p:oleObj spid="_x0000_s234592" name="Equation" r:id="rId5" imgW="1422360" imgH="215640" progId="Equation.DSMT4">
+                <p:oleObj spid="_x0000_s234600" name="Equation" r:id="rId5" imgW="1422360" imgH="215640" progId="Equation.DSMT4">
                   <p:embed/>
                 </p:oleObj>
               </mc:Choice>
@@ -32470,7 +32668,7 @@
           <a:graphicData uri="http://schemas.openxmlformats.org/presentationml/2006/ole">
             <mc:AlternateContent xmlns:mc="http://schemas.openxmlformats.org/markup-compatibility/2006">
               <mc:Choice xmlns:v="urn:schemas-microsoft-com:vml" Requires="v">
-                <p:oleObj spid="_x0000_s234593" name="Equation" r:id="rId7" imgW="1409700" imgH="228600" progId="Equation.DSMT4">
+                <p:oleObj spid="_x0000_s234601" name="Equation" r:id="rId7" imgW="1409700" imgH="228600" progId="Equation.DSMT4">
                   <p:embed/>
                 </p:oleObj>
               </mc:Choice>
@@ -32694,9 +32892,18 @@
   <p:clrMapOvr>
     <a:masterClrMapping/>
   </p:clrMapOvr>
-  <p:transition xmlns:p14="http://schemas.microsoft.com/office/powerpoint/2010/main" advTm="57085">
-    <p:fade/>
-  </p:transition>
+  <mc:AlternateContent xmlns:mc="http://schemas.openxmlformats.org/markup-compatibility/2006" xmlns:p14="http://schemas.microsoft.com/office/powerpoint/2010/main">
+    <mc:Choice Requires="p14">
+      <p:transition spd="slow" p14:dur="59000" advClick="0">
+        <p:fade/>
+      </p:transition>
+    </mc:Choice>
+    <mc:Fallback xmlns="">
+      <p:transition xmlns:p14="http://schemas.microsoft.com/office/powerpoint/2010/main" spd="slow" advClick="0">
+        <p:fade/>
+      </p:transition>
+    </mc:Fallback>
+  </mc:AlternateContent>
   <p:timing>
     <p:tnLst>
       <p:par>
@@ -32877,7 +33084,7 @@
 </file>
 
 <file path=ppt/slides/slide40.xml><?xml version="1.0" encoding="utf-8"?>
-<p:sld xmlns:a="http://schemas.openxmlformats.org/drawingml/2006/main" xmlns:r="http://schemas.openxmlformats.org/officeDocument/2006/relationships" xmlns:p="http://schemas.openxmlformats.org/presentationml/2006/main">
+<p:sld xmlns:a="http://schemas.openxmlformats.org/drawingml/2006/main" xmlns:r="http://schemas.openxmlformats.org/officeDocument/2006/relationships" xmlns:p="http://schemas.openxmlformats.org/presentationml/2006/main" show="0">
   <p:cSld>
     <p:spTree>
       <p:nvGrpSpPr>
@@ -32984,7 +33191,7 @@
           <a:graphicData uri="http://schemas.openxmlformats.org/presentationml/2006/ole">
             <mc:AlternateContent xmlns:mc="http://schemas.openxmlformats.org/markup-compatibility/2006">
               <mc:Choice xmlns:v="urn:schemas-microsoft-com:vml" Requires="v">
-                <p:oleObj spid="_x0000_s412686" name="Equation" r:id="rId3" imgW="1955800" imgH="482600" progId="Equation.3">
+                <p:oleObj spid="_x0000_s412691" name="Equation" r:id="rId3" imgW="1955800" imgH="482600" progId="Equation.3">
                   <p:embed/>
                 </p:oleObj>
               </mc:Choice>
@@ -33176,14 +33383,14 @@
   <p:clrMapOvr>
     <a:masterClrMapping/>
   </p:clrMapOvr>
-  <mc:AlternateContent xmlns:mc="http://schemas.openxmlformats.org/markup-compatibility/2006" xmlns:p14="http://schemas.microsoft.com/office/powerpoint/2010/main">
-    <mc:Choice Requires="p14">
-      <p:transition spd="med" p14:dur="600">
+  <mc:AlternateContent xmlns:mc="http://schemas.openxmlformats.org/markup-compatibility/2006">
+    <mc:Choice xmlns:p14="http://schemas.microsoft.com/office/powerpoint/2010/main" Requires="p14">
+      <p:transition spd="slow" p14:dur="59000">
         <p:fade/>
       </p:transition>
     </mc:Choice>
-    <mc:Fallback xmlns="">
-      <p:transition xmlns:p14="http://schemas.microsoft.com/office/powerpoint/2010/main" spd="med">
+    <mc:Fallback>
+      <p:transition xmlns:p14="http://schemas.microsoft.com/office/powerpoint/2010/main" spd="slow">
         <p:fade/>
       </p:transition>
     </mc:Fallback>
@@ -33331,7 +33538,7 @@
 </file>
 
 <file path=ppt/slides/slide41.xml><?xml version="1.0" encoding="utf-8"?>
-<p:sld xmlns:a="http://schemas.openxmlformats.org/drawingml/2006/main" xmlns:r="http://schemas.openxmlformats.org/officeDocument/2006/relationships" xmlns:p="http://schemas.openxmlformats.org/presentationml/2006/main">
+<p:sld xmlns:a="http://schemas.openxmlformats.org/drawingml/2006/main" xmlns:r="http://schemas.openxmlformats.org/officeDocument/2006/relationships" xmlns:p="http://schemas.openxmlformats.org/presentationml/2006/main" show="0">
   <p:cSld>
     <p:spTree>
       <p:nvGrpSpPr>
@@ -33438,7 +33645,7 @@
           <a:graphicData uri="http://schemas.openxmlformats.org/presentationml/2006/ole">
             <mc:AlternateContent xmlns:mc="http://schemas.openxmlformats.org/markup-compatibility/2006">
               <mc:Choice xmlns:v="urn:schemas-microsoft-com:vml" Requires="v">
-                <p:oleObj spid="_x0000_s413710" name="Equation" r:id="rId3" imgW="546100" imgH="215900" progId="Equation.DSMT4">
+                <p:oleObj spid="_x0000_s413715" name="Equation" r:id="rId3" imgW="546100" imgH="215900" progId="Equation.DSMT4">
                   <p:embed/>
                 </p:oleObj>
               </mc:Choice>
@@ -33532,14 +33739,14 @@
   <p:clrMapOvr>
     <a:masterClrMapping/>
   </p:clrMapOvr>
-  <mc:AlternateContent xmlns:mc="http://schemas.openxmlformats.org/markup-compatibility/2006" xmlns:p14="http://schemas.microsoft.com/office/powerpoint/2010/main">
-    <mc:Choice Requires="p14">
-      <p:transition spd="med" p14:dur="600">
+  <mc:AlternateContent xmlns:mc="http://schemas.openxmlformats.org/markup-compatibility/2006">
+    <mc:Choice xmlns:p14="http://schemas.microsoft.com/office/powerpoint/2010/main" Requires="p14">
+      <p:transition spd="slow" p14:dur="59000">
         <p:fade/>
       </p:transition>
     </mc:Choice>
-    <mc:Fallback xmlns="">
-      <p:transition xmlns:p14="http://schemas.microsoft.com/office/powerpoint/2010/main" spd="med">
+    <mc:Fallback>
+      <p:transition xmlns:p14="http://schemas.microsoft.com/office/powerpoint/2010/main" spd="slow">
         <p:fade/>
       </p:transition>
     </mc:Fallback>
@@ -33555,7 +33762,7 @@
 </file>
 
 <file path=ppt/slides/slide42.xml><?xml version="1.0" encoding="utf-8"?>
-<p:sld xmlns:a="http://schemas.openxmlformats.org/drawingml/2006/main" xmlns:r="http://schemas.openxmlformats.org/officeDocument/2006/relationships" xmlns:p="http://schemas.openxmlformats.org/presentationml/2006/main">
+<p:sld xmlns:a="http://schemas.openxmlformats.org/drawingml/2006/main" xmlns:r="http://schemas.openxmlformats.org/officeDocument/2006/relationships" xmlns:p="http://schemas.openxmlformats.org/presentationml/2006/main" show="0">
   <p:cSld>
     <p:spTree>
       <p:nvGrpSpPr>
@@ -33883,9 +34090,18 @@
   <p:clrMapOvr>
     <a:masterClrMapping/>
   </p:clrMapOvr>
-  <p:transition xmlns:p14="http://schemas.microsoft.com/office/powerpoint/2010/main" spd="slow">
-    <p:fade thruBlk="1"/>
-  </p:transition>
+  <mc:AlternateContent xmlns:mc="http://schemas.openxmlformats.org/markup-compatibility/2006">
+    <mc:Choice xmlns:p14="http://schemas.microsoft.com/office/powerpoint/2010/main" Requires="p14">
+      <p:transition spd="slow" p14:dur="59000">
+        <p:fade thruBlk="1"/>
+      </p:transition>
+    </mc:Choice>
+    <mc:Fallback>
+      <p:transition xmlns:p14="http://schemas.microsoft.com/office/powerpoint/2010/main" spd="slow">
+        <p:fade thruBlk="1"/>
+      </p:transition>
+    </mc:Fallback>
+  </mc:AlternateContent>
   <p:timing>
     <p:tnLst>
       <p:par>
@@ -34134,7 +34350,7 @@
 </file>
 
 <file path=ppt/slides/slide43.xml><?xml version="1.0" encoding="utf-8"?>
-<p:sld xmlns:a="http://schemas.openxmlformats.org/drawingml/2006/main" xmlns:r="http://schemas.openxmlformats.org/officeDocument/2006/relationships" xmlns:p="http://schemas.openxmlformats.org/presentationml/2006/main">
+<p:sld xmlns:a="http://schemas.openxmlformats.org/drawingml/2006/main" xmlns:r="http://schemas.openxmlformats.org/officeDocument/2006/relationships" xmlns:p="http://schemas.openxmlformats.org/presentationml/2006/main" show="0">
   <p:cSld>
     <p:spTree>
       <p:nvGrpSpPr>
@@ -34349,9 +34565,18 @@
   <p:clrMapOvr>
     <a:masterClrMapping/>
   </p:clrMapOvr>
-  <p:transition xmlns:p14="http://schemas.microsoft.com/office/powerpoint/2010/main" spd="slow">
-    <p:fade/>
-  </p:transition>
+  <mc:AlternateContent xmlns:mc="http://schemas.openxmlformats.org/markup-compatibility/2006">
+    <mc:Choice xmlns:p14="http://schemas.microsoft.com/office/powerpoint/2010/main" Requires="p14">
+      <p:transition spd="slow" p14:dur="59000">
+        <p:fade/>
+      </p:transition>
+    </mc:Choice>
+    <mc:Fallback>
+      <p:transition xmlns:p14="http://schemas.microsoft.com/office/powerpoint/2010/main" spd="slow">
+        <p:fade/>
+      </p:transition>
+    </mc:Fallback>
+  </mc:AlternateContent>
   <p:timing>
     <p:tnLst>
       <p:par>
@@ -34670,7 +34895,7 @@
 </file>
 
 <file path=ppt/slides/slide44.xml><?xml version="1.0" encoding="utf-8"?>
-<p:sld xmlns:a="http://schemas.openxmlformats.org/drawingml/2006/main" xmlns:r="http://schemas.openxmlformats.org/officeDocument/2006/relationships" xmlns:p="http://schemas.openxmlformats.org/presentationml/2006/main">
+<p:sld xmlns:a="http://schemas.openxmlformats.org/drawingml/2006/main" xmlns:r="http://schemas.openxmlformats.org/officeDocument/2006/relationships" xmlns:p="http://schemas.openxmlformats.org/presentationml/2006/main" show="0">
   <p:cSld>
     <p:spTree>
       <p:nvGrpSpPr>
@@ -34938,9 +35163,18 @@
   <p:clrMapOvr>
     <a:masterClrMapping/>
   </p:clrMapOvr>
-  <p:transition xmlns:p14="http://schemas.microsoft.com/office/powerpoint/2010/main">
-    <p:fade/>
-  </p:transition>
+  <mc:AlternateContent xmlns:mc="http://schemas.openxmlformats.org/markup-compatibility/2006">
+    <mc:Choice xmlns:p14="http://schemas.microsoft.com/office/powerpoint/2010/main" Requires="p14">
+      <p:transition spd="slow" p14:dur="59000">
+        <p:fade/>
+      </p:transition>
+    </mc:Choice>
+    <mc:Fallback>
+      <p:transition xmlns:p14="http://schemas.microsoft.com/office/powerpoint/2010/main" spd="slow">
+        <p:fade/>
+      </p:transition>
+    </mc:Fallback>
+  </mc:AlternateContent>
   <p:timing>
     <p:tnLst>
       <p:par>
@@ -35105,9 +35339,18 @@
   <p:clrMapOvr>
     <a:masterClrMapping/>
   </p:clrMapOvr>
-  <p:transition xmlns:p14="http://schemas.microsoft.com/office/powerpoint/2010/main">
-    <p:fade/>
-  </p:transition>
+  <mc:AlternateContent xmlns:mc="http://schemas.openxmlformats.org/markup-compatibility/2006" xmlns:p14="http://schemas.microsoft.com/office/powerpoint/2010/main">
+    <mc:Choice Requires="p14">
+      <p:transition spd="slow" p14:dur="59000">
+        <p:fade/>
+      </p:transition>
+    </mc:Choice>
+    <mc:Fallback xmlns="">
+      <p:transition xmlns:p14="http://schemas.microsoft.com/office/powerpoint/2010/main" spd="slow">
+        <p:fade/>
+      </p:transition>
+    </mc:Fallback>
+  </mc:AlternateContent>
   <p:timing>
     <p:tnLst>
       <p:par>
@@ -35495,9 +35738,18 @@
   <p:clrMapOvr>
     <a:masterClrMapping/>
   </p:clrMapOvr>
-  <p:transition xmlns:p14="http://schemas.microsoft.com/office/powerpoint/2010/main">
-    <p:fade thruBlk="1"/>
-  </p:transition>
+  <mc:AlternateContent xmlns:mc="http://schemas.openxmlformats.org/markup-compatibility/2006" xmlns:p14="http://schemas.microsoft.com/office/powerpoint/2010/main">
+    <mc:Choice Requires="p14">
+      <p:transition spd="slow" p14:dur="59000" advClick="0">
+        <p:fade thruBlk="1"/>
+      </p:transition>
+    </mc:Choice>
+    <mc:Fallback xmlns="">
+      <p:transition xmlns:p14="http://schemas.microsoft.com/office/powerpoint/2010/main" spd="slow" advClick="0">
+        <p:fade thruBlk="1"/>
+      </p:transition>
+    </mc:Fallback>
+  </mc:AlternateContent>
   <p:timing>
     <p:tnLst>
       <p:par>
@@ -35609,7 +35861,7 @@
           <a:graphicData uri="http://schemas.openxmlformats.org/presentationml/2006/ole">
             <mc:AlternateContent xmlns:mc="http://schemas.openxmlformats.org/markup-compatibility/2006">
               <mc:Choice xmlns:v="urn:schemas-microsoft-com:vml" Requires="v">
-                <p:oleObj spid="_x0000_s338999" name="Equation" r:id="rId4" imgW="876300" imgH="1130300" progId="Equation.DSMT4">
+                <p:oleObj spid="_x0000_s339004" name="Equation" r:id="rId4" imgW="876300" imgH="1130300" progId="Equation.DSMT4">
                   <p:embed/>
                 </p:oleObj>
               </mc:Choice>
@@ -35662,9 +35914,18 @@
   <p:clrMapOvr>
     <a:masterClrMapping/>
   </p:clrMapOvr>
-  <p:transition xmlns:p14="http://schemas.microsoft.com/office/powerpoint/2010/main">
-    <p:fade/>
-  </p:transition>
+  <mc:AlternateContent xmlns:mc="http://schemas.openxmlformats.org/markup-compatibility/2006">
+    <mc:Choice xmlns:p14="http://schemas.microsoft.com/office/powerpoint/2010/main" Requires="p14">
+      <p:transition spd="slow" p14:dur="59000">
+        <p:fade/>
+      </p:transition>
+    </mc:Choice>
+    <mc:Fallback>
+      <p:transition xmlns:p14="http://schemas.microsoft.com/office/powerpoint/2010/main" spd="slow">
+        <p:fade/>
+      </p:transition>
+    </mc:Fallback>
+  </mc:AlternateContent>
   <p:timing>
     <p:tnLst>
       <p:par>
@@ -35930,7 +36191,7 @@
           <a:graphicData uri="http://schemas.openxmlformats.org/presentationml/2006/ole">
             <mc:AlternateContent xmlns:mc="http://schemas.openxmlformats.org/markup-compatibility/2006">
               <mc:Choice xmlns:v="urn:schemas-microsoft-com:vml" Requires="v">
-                <p:oleObj spid="_x0000_s400440" name="Equation" r:id="rId5" imgW="2349500" imgH="1016000" progId="Equation.DSMT4">
+                <p:oleObj spid="_x0000_s400445" name="Equation" r:id="rId5" imgW="2349500" imgH="1016000" progId="Equation.DSMT4">
                   <p:embed/>
                 </p:oleObj>
               </mc:Choice>
@@ -35983,9 +36244,18 @@
   <p:clrMapOvr>
     <a:masterClrMapping/>
   </p:clrMapOvr>
-  <p:transition xmlns:p14="http://schemas.microsoft.com/office/powerpoint/2010/main">
-    <p:fade/>
-  </p:transition>
+  <mc:AlternateContent xmlns:mc="http://schemas.openxmlformats.org/markup-compatibility/2006" xmlns:p14="http://schemas.microsoft.com/office/powerpoint/2010/main">
+    <mc:Choice Requires="p14">
+      <p:transition spd="slow" p14:dur="59000">
+        <p:fade/>
+      </p:transition>
+    </mc:Choice>
+    <mc:Fallback xmlns="">
+      <p:transition xmlns:p14="http://schemas.microsoft.com/office/powerpoint/2010/main" spd="slow">
+        <p:fade/>
+      </p:transition>
+    </mc:Fallback>
+  </mc:AlternateContent>
   <p:timing>
     <p:tnLst>
       <p:par>
@@ -36963,7 +37233,7 @@
           <a:graphicData uri="http://schemas.openxmlformats.org/presentationml/2006/ole">
             <mc:AlternateContent xmlns:mc="http://schemas.openxmlformats.org/markup-compatibility/2006">
               <mc:Choice xmlns:v="urn:schemas-microsoft-com:vml" Requires="v">
-                <p:oleObj spid="_x0000_s401464" name="Equation" r:id="rId4" imgW="3784600" imgH="1295400" progId="Equation.DSMT4">
+                <p:oleObj spid="_x0000_s401469" name="Equation" r:id="rId4" imgW="3784600" imgH="1295400" progId="Equation.DSMT4">
                   <p:embed/>
                 </p:oleObj>
               </mc:Choice>
@@ -37016,9 +37286,18 @@
   <p:clrMapOvr>
     <a:masterClrMapping/>
   </p:clrMapOvr>
-  <p:transition xmlns:p14="http://schemas.microsoft.com/office/powerpoint/2010/main">
-    <p:fade/>
-  </p:transition>
+  <mc:AlternateContent xmlns:mc="http://schemas.openxmlformats.org/markup-compatibility/2006" xmlns:p14="http://schemas.microsoft.com/office/powerpoint/2010/main">
+    <mc:Choice Requires="p14">
+      <p:transition spd="slow" p14:dur="59000">
+        <p:fade/>
+      </p:transition>
+    </mc:Choice>
+    <mc:Fallback xmlns="">
+      <p:transition xmlns:p14="http://schemas.microsoft.com/office/powerpoint/2010/main" spd="slow">
+        <p:fade/>
+      </p:transition>
+    </mc:Fallback>
+  </mc:AlternateContent>
   <p:timing>
     <p:tnLst>
       <p:par>
@@ -38492,9 +38771,18 @@
   <p:clrMapOvr>
     <a:masterClrMapping/>
   </p:clrMapOvr>
-  <p:transition xmlns:p14="http://schemas.microsoft.com/office/powerpoint/2010/main" advTm="63748">
-    <p:fade thruBlk="1"/>
-  </p:transition>
+  <mc:AlternateContent xmlns:mc="http://schemas.openxmlformats.org/markup-compatibility/2006" xmlns:p14="http://schemas.microsoft.com/office/powerpoint/2010/main">
+    <mc:Choice Requires="p14">
+      <p:transition spd="slow" p14:dur="59000" advClick="0">
+        <p:fade thruBlk="1"/>
+      </p:transition>
+    </mc:Choice>
+    <mc:Fallback xmlns="">
+      <p:transition xmlns:p14="http://schemas.microsoft.com/office/powerpoint/2010/main" spd="slow" advClick="0">
+        <p:fade thruBlk="1"/>
+      </p:transition>
+    </mc:Fallback>
+  </mc:AlternateContent>
   <p:timing>
     <p:tnLst>
       <p:par>
@@ -38939,9 +39227,18 @@
   <p:clrMapOvr>
     <a:masterClrMapping/>
   </p:clrMapOvr>
-  <p:transition xmlns:p14="http://schemas.microsoft.com/office/powerpoint/2010/main">
-    <p:fade/>
-  </p:transition>
+  <mc:AlternateContent xmlns:mc="http://schemas.openxmlformats.org/markup-compatibility/2006">
+    <mc:Choice xmlns:p14="http://schemas.microsoft.com/office/powerpoint/2010/main" Requires="p14">
+      <p:transition spd="slow" p14:dur="59000">
+        <p:fade/>
+      </p:transition>
+    </mc:Choice>
+    <mc:Fallback>
+      <p:transition xmlns:p14="http://schemas.microsoft.com/office/powerpoint/2010/main" spd="slow">
+        <p:fade/>
+      </p:transition>
+    </mc:Fallback>
+  </mc:AlternateContent>
   <p:timing>
     <p:tnLst>
       <p:par>
@@ -40213,9 +40510,18 @@
   <p:clrMapOvr>
     <a:masterClrMapping/>
   </p:clrMapOvr>
-  <p:transition xmlns:p14="http://schemas.microsoft.com/office/powerpoint/2010/main">
-    <p:fade thruBlk="1"/>
-  </p:transition>
+  <mc:AlternateContent xmlns:mc="http://schemas.openxmlformats.org/markup-compatibility/2006" xmlns:p14="http://schemas.microsoft.com/office/powerpoint/2010/main">
+    <mc:Choice Requires="p14">
+      <p:transition spd="slow" p14:dur="59000" advClick="0">
+        <p:fade thruBlk="1"/>
+      </p:transition>
+    </mc:Choice>
+    <mc:Fallback xmlns="">
+      <p:transition xmlns:p14="http://schemas.microsoft.com/office/powerpoint/2010/main" spd="slow" advClick="0">
+        <p:fade thruBlk="1"/>
+      </p:transition>
+    </mc:Fallback>
+  </mc:AlternateContent>
   <p:timing>
     <p:tnLst>
       <p:par>
@@ -41759,9 +42065,18 @@
   <p:clrMapOvr>
     <a:masterClrMapping/>
   </p:clrMapOvr>
-  <p:transition xmlns:p14="http://schemas.microsoft.com/office/powerpoint/2010/main">
-    <p:fade thruBlk="1"/>
-  </p:transition>
+  <mc:AlternateContent xmlns:mc="http://schemas.openxmlformats.org/markup-compatibility/2006" xmlns:p14="http://schemas.microsoft.com/office/powerpoint/2010/main">
+    <mc:Choice Requires="p14">
+      <p:transition spd="slow" p14:dur="59000">
+        <p:fade thruBlk="1"/>
+      </p:transition>
+    </mc:Choice>
+    <mc:Fallback xmlns="">
+      <p:transition xmlns:p14="http://schemas.microsoft.com/office/powerpoint/2010/main" spd="slow">
+        <p:fade thruBlk="1"/>
+      </p:transition>
+    </mc:Fallback>
+  </mc:AlternateContent>
   <p:timing>
     <p:tnLst>
       <p:par>
@@ -42708,9 +43023,18 @@
   <p:clrMapOvr>
     <a:masterClrMapping/>
   </p:clrMapOvr>
-  <p:transition xmlns:p14="http://schemas.microsoft.com/office/powerpoint/2010/main">
-    <p:fade thruBlk="1"/>
-  </p:transition>
+  <mc:AlternateContent xmlns:mc="http://schemas.openxmlformats.org/markup-compatibility/2006" xmlns:p14="http://schemas.microsoft.com/office/powerpoint/2010/main">
+    <mc:Choice Requires="p14">
+      <p:transition spd="slow" p14:dur="59000">
+        <p:fade thruBlk="1"/>
+      </p:transition>
+    </mc:Choice>
+    <mc:Fallback xmlns="">
+      <p:transition xmlns:p14="http://schemas.microsoft.com/office/powerpoint/2010/main" spd="slow">
+        <p:fade thruBlk="1"/>
+      </p:transition>
+    </mc:Fallback>
+  </mc:AlternateContent>
   <p:timing>
     <p:tnLst>
       <p:par>
@@ -43127,9 +43451,18 @@
   <p:clrMapOvr>
     <a:masterClrMapping/>
   </p:clrMapOvr>
-  <p:transition xmlns:p14="http://schemas.microsoft.com/office/powerpoint/2010/main">
-    <p:fade thruBlk="1"/>
-  </p:transition>
+  <mc:AlternateContent xmlns:mc="http://schemas.openxmlformats.org/markup-compatibility/2006" xmlns:p14="http://schemas.microsoft.com/office/powerpoint/2010/main">
+    <mc:Choice Requires="p14">
+      <p:transition spd="slow" p14:dur="59000" advClick="0">
+        <p:fade thruBlk="1"/>
+      </p:transition>
+    </mc:Choice>
+    <mc:Fallback xmlns="">
+      <p:transition xmlns:p14="http://schemas.microsoft.com/office/powerpoint/2010/main" spd="slow" advClick="0">
+        <p:fade thruBlk="1"/>
+      </p:transition>
+    </mc:Fallback>
+  </mc:AlternateContent>
   <p:timing>
     <p:tnLst>
       <p:par>
